--- a/диплом/Презентация Microsoft PowerPoint.pptx
+++ b/диплом/Презентация Microsoft PowerPoint.pptx
@@ -105,6 +105,11 @@
       </a:defRPr>
     </a:lvl9pPr>
   </p:defaultTextStyle>
+  <p:extLst>
+    <p:ext uri="{EFAFB233-063F-42B5-8137-9DF3F51BA10A}">
+      <p15:sldGuideLst xmlns:p15="http://schemas.microsoft.com/office/powerpoint/2012/main"/>
+    </p:ext>
+  </p:extLst>
 </p:presentation>
 </file>
 
@@ -255,7 +260,7 @@
           <a:p>
             <a:fld id="{C5D7E93F-C84F-4B74-8B71-2753CE78CCAD}" type="datetimeFigureOut">
               <a:rPr lang="ru-RU" smtClean="0"/>
-              <a:t>07.05.2025</a:t>
+              <a:t>22.05.2025</a:t>
             </a:fld>
             <a:endParaRPr lang="ru-RU"/>
           </a:p>
@@ -453,7 +458,7 @@
           <a:p>
             <a:fld id="{C5D7E93F-C84F-4B74-8B71-2753CE78CCAD}" type="datetimeFigureOut">
               <a:rPr lang="ru-RU" smtClean="0"/>
-              <a:t>07.05.2025</a:t>
+              <a:t>22.05.2025</a:t>
             </a:fld>
             <a:endParaRPr lang="ru-RU"/>
           </a:p>
@@ -661,7 +666,7 @@
           <a:p>
             <a:fld id="{C5D7E93F-C84F-4B74-8B71-2753CE78CCAD}" type="datetimeFigureOut">
               <a:rPr lang="ru-RU" smtClean="0"/>
-              <a:t>07.05.2025</a:t>
+              <a:t>22.05.2025</a:t>
             </a:fld>
             <a:endParaRPr lang="ru-RU"/>
           </a:p>
@@ -859,7 +864,7 @@
           <a:p>
             <a:fld id="{C5D7E93F-C84F-4B74-8B71-2753CE78CCAD}" type="datetimeFigureOut">
               <a:rPr lang="ru-RU" smtClean="0"/>
-              <a:t>07.05.2025</a:t>
+              <a:t>22.05.2025</a:t>
             </a:fld>
             <a:endParaRPr lang="ru-RU"/>
           </a:p>
@@ -1134,7 +1139,7 @@
           <a:p>
             <a:fld id="{C5D7E93F-C84F-4B74-8B71-2753CE78CCAD}" type="datetimeFigureOut">
               <a:rPr lang="ru-RU" smtClean="0"/>
-              <a:t>07.05.2025</a:t>
+              <a:t>22.05.2025</a:t>
             </a:fld>
             <a:endParaRPr lang="ru-RU"/>
           </a:p>
@@ -1399,7 +1404,7 @@
           <a:p>
             <a:fld id="{C5D7E93F-C84F-4B74-8B71-2753CE78CCAD}" type="datetimeFigureOut">
               <a:rPr lang="ru-RU" smtClean="0"/>
-              <a:t>07.05.2025</a:t>
+              <a:t>22.05.2025</a:t>
             </a:fld>
             <a:endParaRPr lang="ru-RU"/>
           </a:p>
@@ -1811,7 +1816,7 @@
           <a:p>
             <a:fld id="{C5D7E93F-C84F-4B74-8B71-2753CE78CCAD}" type="datetimeFigureOut">
               <a:rPr lang="ru-RU" smtClean="0"/>
-              <a:t>07.05.2025</a:t>
+              <a:t>22.05.2025</a:t>
             </a:fld>
             <a:endParaRPr lang="ru-RU"/>
           </a:p>
@@ -1952,7 +1957,7 @@
           <a:p>
             <a:fld id="{C5D7E93F-C84F-4B74-8B71-2753CE78CCAD}" type="datetimeFigureOut">
               <a:rPr lang="ru-RU" smtClean="0"/>
-              <a:t>07.05.2025</a:t>
+              <a:t>22.05.2025</a:t>
             </a:fld>
             <a:endParaRPr lang="ru-RU"/>
           </a:p>
@@ -2065,7 +2070,7 @@
           <a:p>
             <a:fld id="{C5D7E93F-C84F-4B74-8B71-2753CE78CCAD}" type="datetimeFigureOut">
               <a:rPr lang="ru-RU" smtClean="0"/>
-              <a:t>07.05.2025</a:t>
+              <a:t>22.05.2025</a:t>
             </a:fld>
             <a:endParaRPr lang="ru-RU"/>
           </a:p>
@@ -2376,7 +2381,7 @@
           <a:p>
             <a:fld id="{C5D7E93F-C84F-4B74-8B71-2753CE78CCAD}" type="datetimeFigureOut">
               <a:rPr lang="ru-RU" smtClean="0"/>
-              <a:t>07.05.2025</a:t>
+              <a:t>22.05.2025</a:t>
             </a:fld>
             <a:endParaRPr lang="ru-RU"/>
           </a:p>
@@ -2664,7 +2669,7 @@
           <a:p>
             <a:fld id="{C5D7E93F-C84F-4B74-8B71-2753CE78CCAD}" type="datetimeFigureOut">
               <a:rPr lang="ru-RU" smtClean="0"/>
-              <a:t>07.05.2025</a:t>
+              <a:t>22.05.2025</a:t>
             </a:fld>
             <a:endParaRPr lang="ru-RU"/>
           </a:p>
@@ -2905,7 +2910,7 @@
           <a:p>
             <a:fld id="{C5D7E93F-C84F-4B74-8B71-2753CE78CCAD}" type="datetimeFigureOut">
               <a:rPr lang="ru-RU" smtClean="0"/>
-              <a:t>07.05.2025</a:t>
+              <a:t>22.05.2025</a:t>
             </a:fld>
             <a:endParaRPr lang="ru-RU"/>
           </a:p>
@@ -3376,10 +3381,10 @@
       </p:sp>
       <p:sp>
         <p:nvSpPr>
-          <p:cNvPr id="44" name="Овал 43">
-            <a:extLst>
-              <a:ext uri="{FF2B5EF4-FFF2-40B4-BE49-F238E27FC236}">
-                <a16:creationId xmlns:a16="http://schemas.microsoft.com/office/drawing/2014/main" id="{98967E62-E751-5D87-6298-EC41FEC91071}"/>
+          <p:cNvPr id="45" name="Овал 44">
+            <a:extLst>
+              <a:ext uri="{FF2B5EF4-FFF2-40B4-BE49-F238E27FC236}">
+                <a16:creationId xmlns:a16="http://schemas.microsoft.com/office/drawing/2014/main" id="{7E2EAD32-BCDC-0983-B414-0B6CCA5E22C3}"/>
               </a:ext>
             </a:extLst>
           </p:cNvPr>
@@ -3388,59 +3393,7 @@
         </p:nvSpPr>
         <p:spPr>
           <a:xfrm>
-            <a:off x="2914080" y="1188253"/>
-            <a:ext cx="1150684" cy="1132114"/>
-          </a:xfrm>
-          <a:prstGeom prst="ellipse">
-            <a:avLst/>
-          </a:prstGeom>
-          <a:solidFill>
-            <a:schemeClr val="accent1">
-              <a:lumMod val="20000"/>
-              <a:lumOff val="80000"/>
-            </a:schemeClr>
-          </a:solidFill>
-        </p:spPr>
-        <p:style>
-          <a:lnRef idx="2">
-            <a:schemeClr val="accent1">
-              <a:shade val="15000"/>
-            </a:schemeClr>
-          </a:lnRef>
-          <a:fillRef idx="1">
-            <a:schemeClr val="accent1"/>
-          </a:fillRef>
-          <a:effectRef idx="0">
-            <a:schemeClr val="accent1"/>
-          </a:effectRef>
-          <a:fontRef idx="minor">
-            <a:schemeClr val="lt1"/>
-          </a:fontRef>
-        </p:style>
-        <p:txBody>
-          <a:bodyPr lIns="91440" tIns="45720" rIns="91440" bIns="45720" rtlCol="0" anchor="ctr"/>
-          <a:lstStyle/>
-          <a:p>
-            <a:pPr algn="ctr"/>
-            <a:endParaRPr lang="ru-RU" dirty="0"/>
-          </a:p>
-        </p:txBody>
-      </p:sp>
-      <p:sp>
-        <p:nvSpPr>
-          <p:cNvPr id="45" name="Овал 44">
-            <a:extLst>
-              <a:ext uri="{FF2B5EF4-FFF2-40B4-BE49-F238E27FC236}">
-                <a16:creationId xmlns:a16="http://schemas.microsoft.com/office/drawing/2014/main" id="{7E2EAD32-BCDC-0983-B414-0B6CCA5E22C3}"/>
-              </a:ext>
-            </a:extLst>
-          </p:cNvPr>
-          <p:cNvSpPr/>
-          <p:nvPr/>
-        </p:nvSpPr>
-        <p:spPr>
-          <a:xfrm>
-            <a:off x="4797309" y="1188251"/>
+            <a:off x="2924323" y="1159438"/>
             <a:ext cx="1150684" cy="1132114"/>
           </a:xfrm>
           <a:prstGeom prst="ellipse">
@@ -3517,47 +3470,6 @@
           </a:fontRef>
         </p:style>
       </p:cxnSp>
-      <p:cxnSp>
-        <p:nvCxnSpPr>
-          <p:cNvPr id="47" name="Прямая со стрелкой 46">
-            <a:extLst>
-              <a:ext uri="{FF2B5EF4-FFF2-40B4-BE49-F238E27FC236}">
-                <a16:creationId xmlns:a16="http://schemas.microsoft.com/office/drawing/2014/main" id="{E8EFD9D6-4456-7A76-9EF1-733FB3F9E4AF}"/>
-              </a:ext>
-            </a:extLst>
-          </p:cNvPr>
-          <p:cNvCxnSpPr>
-            <a:cxnSpLocks/>
-          </p:cNvCxnSpPr>
-          <p:nvPr/>
-        </p:nvCxnSpPr>
-        <p:spPr>
-          <a:xfrm flipV="1">
-            <a:off x="4057079" y="1743424"/>
-            <a:ext cx="722298" cy="2"/>
-          </a:xfrm>
-          <a:prstGeom prst="straightConnector1">
-            <a:avLst/>
-          </a:prstGeom>
-          <a:ln>
-            <a:tailEnd type="triangle"/>
-          </a:ln>
-        </p:spPr>
-        <p:style>
-          <a:lnRef idx="3">
-            <a:schemeClr val="accent1"/>
-          </a:lnRef>
-          <a:fillRef idx="0">
-            <a:schemeClr val="accent1"/>
-          </a:fillRef>
-          <a:effectRef idx="2">
-            <a:schemeClr val="accent1"/>
-          </a:effectRef>
-          <a:fontRef idx="minor">
-            <a:schemeClr val="tx1"/>
-          </a:fontRef>
-        </p:style>
-      </p:cxnSp>
       <p:sp>
         <p:nvSpPr>
           <p:cNvPr id="48" name="TextBox 47">
@@ -3602,10 +3514,10 @@
       </p:sp>
       <p:sp>
         <p:nvSpPr>
-          <p:cNvPr id="49" name="TextBox 48">
-            <a:extLst>
-              <a:ext uri="{FF2B5EF4-FFF2-40B4-BE49-F238E27FC236}">
-                <a16:creationId xmlns:a16="http://schemas.microsoft.com/office/drawing/2014/main" id="{8929052A-FB3B-B6C1-4CEF-EDC9CC9ACBCD}"/>
+          <p:cNvPr id="50" name="TextBox 49">
+            <a:extLst>
+              <a:ext uri="{FF2B5EF4-FFF2-40B4-BE49-F238E27FC236}">
+                <a16:creationId xmlns:a16="http://schemas.microsoft.com/office/drawing/2014/main" id="{9553F1B9-13BD-782F-36FC-D62DCA93BE16}"/>
               </a:ext>
             </a:extLst>
           </p:cNvPr>
@@ -3614,53 +3526,7 @@
         </p:nvSpPr>
         <p:spPr>
           <a:xfrm>
-            <a:off x="3330832" y="1420803"/>
-            <a:ext cx="328494" cy="646331"/>
-          </a:xfrm>
-          <a:prstGeom prst="rect">
-            <a:avLst/>
-          </a:prstGeom>
-          <a:noFill/>
-        </p:spPr>
-        <p:txBody>
-          <a:bodyPr rot="0" spcFirstLastPara="0" vertOverflow="overflow" horzOverflow="overflow" vert="horz" wrap="square" lIns="91440" tIns="45720" rIns="91440" bIns="45720" numCol="1" spcCol="0" rtlCol="0" fromWordArt="0" anchor="t" anchorCtr="0" forceAA="0" compatLnSpc="1">
-            <a:prstTxWarp prst="textNoShape">
-              <a:avLst/>
-            </a:prstTxWarp>
-            <a:spAutoFit/>
-          </a:bodyPr>
-          <a:lstStyle/>
-          <a:p>
-            <a:pPr algn="l"/>
-            <a:r>
-              <a:rPr lang="en-US" sz="3600" dirty="0">
-                <a:latin typeface="Times New Roman"/>
-                <a:cs typeface="Times New Roman"/>
-              </a:rPr>
-              <a:t>E</a:t>
-            </a:r>
-            <a:endParaRPr lang="ru-RU" sz="3600" dirty="0">
-              <a:latin typeface="Times New Roman"/>
-              <a:cs typeface="Times New Roman"/>
-            </a:endParaRPr>
-          </a:p>
-        </p:txBody>
-      </p:sp>
-      <p:sp>
-        <p:nvSpPr>
-          <p:cNvPr id="50" name="TextBox 49">
-            <a:extLst>
-              <a:ext uri="{FF2B5EF4-FFF2-40B4-BE49-F238E27FC236}">
-                <a16:creationId xmlns:a16="http://schemas.microsoft.com/office/drawing/2014/main" id="{9553F1B9-13BD-782F-36FC-D62DCA93BE16}"/>
-              </a:ext>
-            </a:extLst>
-          </p:cNvPr>
-          <p:cNvSpPr txBox="1"/>
-          <p:nvPr/>
-        </p:nvSpPr>
-        <p:spPr>
-          <a:xfrm>
-            <a:off x="5136580" y="1375125"/>
+            <a:off x="3263594" y="1346312"/>
             <a:ext cx="471929" cy="646331"/>
           </a:xfrm>
           <a:prstGeom prst="rect">
@@ -3752,7 +3618,7 @@
             </p:nvSpPr>
             <p:spPr>
               <a:xfrm>
-                <a:off x="4248539" y="1375232"/>
+                <a:off x="4376393" y="552695"/>
                 <a:ext cx="340659" cy="369332"/>
               </a:xfrm>
               <a:prstGeom prst="rect">
@@ -3769,6 +3635,7 @@
               </a:bodyPr>
               <a:lstStyle/>
               <a:p>
+                <a:pPr/>
                 <a14:m>
                   <m:oMathPara xmlns:m="http://schemas.openxmlformats.org/officeDocument/2006/math">
                     <m:oMathParaPr>
@@ -3776,7 +3643,9 @@
                     </m:oMathParaPr>
                     <m:oMath xmlns:m="http://schemas.openxmlformats.org/officeDocument/2006/math">
                       <m:r>
-                        <a:rPr lang="en-US" b="0" i="1"/>
+                        <a:rPr lang="en-US" b="0" i="1">
+                          <a:latin typeface="Cambria Math" panose="02040503050406030204" pitchFamily="18" charset="0"/>
+                        </a:rPr>
                         <m:t>𝜎</m:t>
                       </m:r>
                     </m:oMath>
@@ -3804,7 +3673,7 @@
             </p:nvSpPr>
             <p:spPr>
               <a:xfrm>
-                <a:off x="4248539" y="1375232"/>
+                <a:off x="4376393" y="552695"/>
                 <a:ext cx="340659" cy="369332"/>
               </a:xfrm>
               <a:prstGeom prst="rect">
@@ -3846,7 +3715,7 @@
         </p:nvSpPr>
         <p:spPr>
           <a:xfrm>
-            <a:off x="6684166" y="1170108"/>
+            <a:off x="4811180" y="1141295"/>
             <a:ext cx="1150684" cy="1132114"/>
           </a:xfrm>
           <a:prstGeom prst="ellipse">
@@ -3900,7 +3769,7 @@
         </p:nvCxnSpPr>
         <p:spPr>
           <a:xfrm flipV="1">
-            <a:off x="5943936" y="1725281"/>
+            <a:off x="4070950" y="1696468"/>
             <a:ext cx="722298" cy="2"/>
           </a:xfrm>
           <a:prstGeom prst="straightConnector1">
@@ -3939,7 +3808,7 @@
         </p:nvSpPr>
         <p:spPr>
           <a:xfrm>
-            <a:off x="7032508" y="1356982"/>
+            <a:off x="5159522" y="1328169"/>
             <a:ext cx="471929" cy="646331"/>
           </a:xfrm>
           <a:prstGeom prst="rect">
@@ -3987,7 +3856,7 @@
             </p:nvSpPr>
             <p:spPr>
               <a:xfrm>
-                <a:off x="6126432" y="1330195"/>
+                <a:off x="4253446" y="1301382"/>
                 <a:ext cx="340659" cy="646331"/>
               </a:xfrm>
               <a:prstGeom prst="rect">
@@ -4004,6 +3873,7 @@
               </a:bodyPr>
               <a:lstStyle/>
               <a:p>
+                <a:pPr/>
                 <a14:m>
                   <m:oMathPara xmlns:m="http://schemas.openxmlformats.org/officeDocument/2006/math">
                     <m:oMathParaPr>
@@ -4047,7 +3917,7 @@
             </p:nvSpPr>
             <p:spPr>
               <a:xfrm>
-                <a:off x="6126432" y="1330195"/>
+                <a:off x="4253446" y="1301382"/>
                 <a:ext cx="340659" cy="646331"/>
               </a:xfrm>
               <a:prstGeom prst="rect">
@@ -4075,6 +3945,84 @@
           </p:sp>
         </mc:Fallback>
       </mc:AlternateContent>
+      <p:cxnSp>
+        <p:nvCxnSpPr>
+          <p:cNvPr id="3" name="Прямая соединительная линия 2">
+            <a:extLst>
+              <a:ext uri="{FF2B5EF4-FFF2-40B4-BE49-F238E27FC236}">
+                <a16:creationId xmlns:a16="http://schemas.microsoft.com/office/drawing/2014/main" id="{10F0FA0F-205A-79B9-8420-2ACDAADA0B60}"/>
+              </a:ext>
+            </a:extLst>
+          </p:cNvPr>
+          <p:cNvCxnSpPr>
+            <a:cxnSpLocks/>
+            <a:stCxn id="53" idx="1"/>
+          </p:cNvCxnSpPr>
+          <p:nvPr/>
+        </p:nvCxnSpPr>
+        <p:spPr>
+          <a:xfrm flipH="1" flipV="1">
+            <a:off x="3735523" y="448235"/>
+            <a:ext cx="1244171" cy="858854"/>
+          </a:xfrm>
+          <a:prstGeom prst="line">
+            <a:avLst/>
+          </a:prstGeom>
+        </p:spPr>
+        <p:style>
+          <a:lnRef idx="3">
+            <a:schemeClr val="accent1"/>
+          </a:lnRef>
+          <a:fillRef idx="0">
+            <a:schemeClr val="accent1"/>
+          </a:fillRef>
+          <a:effectRef idx="2">
+            <a:schemeClr val="accent1"/>
+          </a:effectRef>
+          <a:fontRef idx="minor">
+            <a:schemeClr val="tx1"/>
+          </a:fontRef>
+        </p:style>
+      </p:cxnSp>
+      <p:cxnSp>
+        <p:nvCxnSpPr>
+          <p:cNvPr id="13" name="Прямая со стрелкой 12">
+            <a:extLst>
+              <a:ext uri="{FF2B5EF4-FFF2-40B4-BE49-F238E27FC236}">
+                <a16:creationId xmlns:a16="http://schemas.microsoft.com/office/drawing/2014/main" id="{0F86C81D-06CC-0D1D-6C91-A1FDCC948FD9}"/>
+              </a:ext>
+            </a:extLst>
+          </p:cNvPr>
+          <p:cNvCxnSpPr/>
+          <p:nvPr/>
+        </p:nvCxnSpPr>
+        <p:spPr>
+          <a:xfrm flipH="1">
+            <a:off x="1874174" y="448235"/>
+            <a:ext cx="1861349" cy="810457"/>
+          </a:xfrm>
+          <a:prstGeom prst="straightConnector1">
+            <a:avLst/>
+          </a:prstGeom>
+          <a:ln>
+            <a:tailEnd type="triangle"/>
+          </a:ln>
+        </p:spPr>
+        <p:style>
+          <a:lnRef idx="3">
+            <a:schemeClr val="accent1"/>
+          </a:lnRef>
+          <a:fillRef idx="0">
+            <a:schemeClr val="accent1"/>
+          </a:fillRef>
+          <a:effectRef idx="2">
+            <a:schemeClr val="accent1"/>
+          </a:effectRef>
+          <a:fontRef idx="minor">
+            <a:schemeClr val="tx1"/>
+          </a:fontRef>
+        </p:style>
+      </p:cxnSp>
     </p:spTree>
     <p:extLst>
       <p:ext uri="{BB962C8B-B14F-4D97-AF65-F5344CB8AC3E}">

--- a/диплом/Презентация Microsoft PowerPoint.pptx
+++ b/диплом/Презентация Microsoft PowerPoint.pptx
@@ -260,7 +260,7 @@
           <a:p>
             <a:fld id="{C5D7E93F-C84F-4B74-8B71-2753CE78CCAD}" type="datetimeFigureOut">
               <a:rPr lang="ru-RU" smtClean="0"/>
-              <a:t>22.05.2025</a:t>
+              <a:t>11.06.2025</a:t>
             </a:fld>
             <a:endParaRPr lang="ru-RU"/>
           </a:p>
@@ -458,7 +458,7 @@
           <a:p>
             <a:fld id="{C5D7E93F-C84F-4B74-8B71-2753CE78CCAD}" type="datetimeFigureOut">
               <a:rPr lang="ru-RU" smtClean="0"/>
-              <a:t>22.05.2025</a:t>
+              <a:t>11.06.2025</a:t>
             </a:fld>
             <a:endParaRPr lang="ru-RU"/>
           </a:p>
@@ -666,7 +666,7 @@
           <a:p>
             <a:fld id="{C5D7E93F-C84F-4B74-8B71-2753CE78CCAD}" type="datetimeFigureOut">
               <a:rPr lang="ru-RU" smtClean="0"/>
-              <a:t>22.05.2025</a:t>
+              <a:t>11.06.2025</a:t>
             </a:fld>
             <a:endParaRPr lang="ru-RU"/>
           </a:p>
@@ -864,7 +864,7 @@
           <a:p>
             <a:fld id="{C5D7E93F-C84F-4B74-8B71-2753CE78CCAD}" type="datetimeFigureOut">
               <a:rPr lang="ru-RU" smtClean="0"/>
-              <a:t>22.05.2025</a:t>
+              <a:t>11.06.2025</a:t>
             </a:fld>
             <a:endParaRPr lang="ru-RU"/>
           </a:p>
@@ -1139,7 +1139,7 @@
           <a:p>
             <a:fld id="{C5D7E93F-C84F-4B74-8B71-2753CE78CCAD}" type="datetimeFigureOut">
               <a:rPr lang="ru-RU" smtClean="0"/>
-              <a:t>22.05.2025</a:t>
+              <a:t>11.06.2025</a:t>
             </a:fld>
             <a:endParaRPr lang="ru-RU"/>
           </a:p>
@@ -1404,7 +1404,7 @@
           <a:p>
             <a:fld id="{C5D7E93F-C84F-4B74-8B71-2753CE78CCAD}" type="datetimeFigureOut">
               <a:rPr lang="ru-RU" smtClean="0"/>
-              <a:t>22.05.2025</a:t>
+              <a:t>11.06.2025</a:t>
             </a:fld>
             <a:endParaRPr lang="ru-RU"/>
           </a:p>
@@ -1816,7 +1816,7 @@
           <a:p>
             <a:fld id="{C5D7E93F-C84F-4B74-8B71-2753CE78CCAD}" type="datetimeFigureOut">
               <a:rPr lang="ru-RU" smtClean="0"/>
-              <a:t>22.05.2025</a:t>
+              <a:t>11.06.2025</a:t>
             </a:fld>
             <a:endParaRPr lang="ru-RU"/>
           </a:p>
@@ -1957,7 +1957,7 @@
           <a:p>
             <a:fld id="{C5D7E93F-C84F-4B74-8B71-2753CE78CCAD}" type="datetimeFigureOut">
               <a:rPr lang="ru-RU" smtClean="0"/>
-              <a:t>22.05.2025</a:t>
+              <a:t>11.06.2025</a:t>
             </a:fld>
             <a:endParaRPr lang="ru-RU"/>
           </a:p>
@@ -2070,7 +2070,7 @@
           <a:p>
             <a:fld id="{C5D7E93F-C84F-4B74-8B71-2753CE78CCAD}" type="datetimeFigureOut">
               <a:rPr lang="ru-RU" smtClean="0"/>
-              <a:t>22.05.2025</a:t>
+              <a:t>11.06.2025</a:t>
             </a:fld>
             <a:endParaRPr lang="ru-RU"/>
           </a:p>
@@ -2381,7 +2381,7 @@
           <a:p>
             <a:fld id="{C5D7E93F-C84F-4B74-8B71-2753CE78CCAD}" type="datetimeFigureOut">
               <a:rPr lang="ru-RU" smtClean="0"/>
-              <a:t>22.05.2025</a:t>
+              <a:t>11.06.2025</a:t>
             </a:fld>
             <a:endParaRPr lang="ru-RU"/>
           </a:p>
@@ -2669,7 +2669,7 @@
           <a:p>
             <a:fld id="{C5D7E93F-C84F-4B74-8B71-2753CE78CCAD}" type="datetimeFigureOut">
               <a:rPr lang="ru-RU" smtClean="0"/>
-              <a:t>22.05.2025</a:t>
+              <a:t>11.06.2025</a:t>
             </a:fld>
             <a:endParaRPr lang="ru-RU"/>
           </a:p>
@@ -2910,7 +2910,7 @@
           <a:p>
             <a:fld id="{C5D7E93F-C84F-4B74-8B71-2753CE78CCAD}" type="datetimeFigureOut">
               <a:rPr lang="ru-RU" smtClean="0"/>
-              <a:t>22.05.2025</a:t>
+              <a:t>11.06.2025</a:t>
             </a:fld>
             <a:endParaRPr lang="ru-RU"/>
           </a:p>
@@ -3602,8 +3602,8 @@
           </a:p>
         </p:txBody>
       </p:sp>
-      <mc:AlternateContent xmlns:mc="http://schemas.openxmlformats.org/markup-compatibility/2006">
-        <mc:Choice xmlns:a14="http://schemas.microsoft.com/office/drawing/2010/main" Requires="a14">
+      <mc:AlternateContent xmlns:mc="http://schemas.openxmlformats.org/markup-compatibility/2006" xmlns:a14="http://schemas.microsoft.com/office/drawing/2010/main">
+        <mc:Choice Requires="a14">
           <p:sp>
             <p:nvSpPr>
               <p:cNvPr id="52" name="TextBox 51">
@@ -3656,7 +3656,7 @@
             </p:txBody>
           </p:sp>
         </mc:Choice>
-        <mc:Fallback>
+        <mc:Fallback xmlns="">
           <p:sp>
             <p:nvSpPr>
               <p:cNvPr id="52" name="TextBox 51">
@@ -3840,8 +3840,8 @@
           </a:p>
         </p:txBody>
       </p:sp>
-      <mc:AlternateContent xmlns:mc="http://schemas.openxmlformats.org/markup-compatibility/2006">
-        <mc:Choice xmlns:a14="http://schemas.microsoft.com/office/drawing/2010/main" Requires="a14">
+      <mc:AlternateContent xmlns:mc="http://schemas.openxmlformats.org/markup-compatibility/2006" xmlns:a14="http://schemas.microsoft.com/office/drawing/2010/main">
+        <mc:Choice Requires="a14">
           <p:sp>
             <p:nvSpPr>
               <p:cNvPr id="56" name="TextBox 55">
@@ -3900,7 +3900,7 @@
             </p:txBody>
           </p:sp>
         </mc:Choice>
-        <mc:Fallback>
+        <mc:Fallback xmlns="">
           <p:sp>
             <p:nvSpPr>
               <p:cNvPr id="56" name="TextBox 55">
@@ -4023,6 +4023,3359 @@
           </a:fontRef>
         </p:style>
       </p:cxnSp>
+      <p:sp>
+        <p:nvSpPr>
+          <p:cNvPr id="2" name="Овал 1">
+            <a:extLst>
+              <a:ext uri="{FF2B5EF4-FFF2-40B4-BE49-F238E27FC236}">
+                <a16:creationId xmlns:a16="http://schemas.microsoft.com/office/drawing/2014/main" id="{9E8BC76D-0353-429F-19C9-54065D1BCB93}"/>
+              </a:ext>
+            </a:extLst>
+          </p:cNvPr>
+          <p:cNvSpPr/>
+          <p:nvPr/>
+        </p:nvSpPr>
+        <p:spPr>
+          <a:xfrm>
+            <a:off x="759288" y="3222738"/>
+            <a:ext cx="1150684" cy="1132114"/>
+          </a:xfrm>
+          <a:prstGeom prst="ellipse">
+            <a:avLst/>
+          </a:prstGeom>
+          <a:solidFill>
+            <a:schemeClr val="accent1">
+              <a:lumMod val="20000"/>
+              <a:lumOff val="80000"/>
+            </a:schemeClr>
+          </a:solidFill>
+        </p:spPr>
+        <p:style>
+          <a:lnRef idx="2">
+            <a:schemeClr val="accent1">
+              <a:shade val="15000"/>
+            </a:schemeClr>
+          </a:lnRef>
+          <a:fillRef idx="1">
+            <a:schemeClr val="accent1"/>
+          </a:fillRef>
+          <a:effectRef idx="0">
+            <a:schemeClr val="accent1"/>
+          </a:effectRef>
+          <a:fontRef idx="minor">
+            <a:schemeClr val="lt1"/>
+          </a:fontRef>
+        </p:style>
+        <p:txBody>
+          <a:bodyPr rtlCol="0" anchor="ctr"/>
+          <a:lstStyle>
+            <a:defPPr>
+              <a:defRPr lang="ru-RU"/>
+            </a:defPPr>
+            <a:lvl1pPr marL="0" algn="l" defTabSz="914400" rtl="0" eaLnBrk="1" latinLnBrk="0" hangingPunct="1">
+              <a:defRPr sz="1800" kern="1200">
+                <a:solidFill>
+                  <a:schemeClr val="lt1"/>
+                </a:solidFill>
+                <a:latin typeface="+mn-lt"/>
+                <a:ea typeface="+mn-ea"/>
+                <a:cs typeface="+mn-cs"/>
+              </a:defRPr>
+            </a:lvl1pPr>
+            <a:lvl2pPr marL="457200" algn="l" defTabSz="914400" rtl="0" eaLnBrk="1" latinLnBrk="0" hangingPunct="1">
+              <a:defRPr sz="1800" kern="1200">
+                <a:solidFill>
+                  <a:schemeClr val="lt1"/>
+                </a:solidFill>
+                <a:latin typeface="+mn-lt"/>
+                <a:ea typeface="+mn-ea"/>
+                <a:cs typeface="+mn-cs"/>
+              </a:defRPr>
+            </a:lvl2pPr>
+            <a:lvl3pPr marL="914400" algn="l" defTabSz="914400" rtl="0" eaLnBrk="1" latinLnBrk="0" hangingPunct="1">
+              <a:defRPr sz="1800" kern="1200">
+                <a:solidFill>
+                  <a:schemeClr val="lt1"/>
+                </a:solidFill>
+                <a:latin typeface="+mn-lt"/>
+                <a:ea typeface="+mn-ea"/>
+                <a:cs typeface="+mn-cs"/>
+              </a:defRPr>
+            </a:lvl3pPr>
+            <a:lvl4pPr marL="1371600" algn="l" defTabSz="914400" rtl="0" eaLnBrk="1" latinLnBrk="0" hangingPunct="1">
+              <a:defRPr sz="1800" kern="1200">
+                <a:solidFill>
+                  <a:schemeClr val="lt1"/>
+                </a:solidFill>
+                <a:latin typeface="+mn-lt"/>
+                <a:ea typeface="+mn-ea"/>
+                <a:cs typeface="+mn-cs"/>
+              </a:defRPr>
+            </a:lvl4pPr>
+            <a:lvl5pPr marL="1828800" algn="l" defTabSz="914400" rtl="0" eaLnBrk="1" latinLnBrk="0" hangingPunct="1">
+              <a:defRPr sz="1800" kern="1200">
+                <a:solidFill>
+                  <a:schemeClr val="lt1"/>
+                </a:solidFill>
+                <a:latin typeface="+mn-lt"/>
+                <a:ea typeface="+mn-ea"/>
+                <a:cs typeface="+mn-cs"/>
+              </a:defRPr>
+            </a:lvl5pPr>
+            <a:lvl6pPr marL="2286000" algn="l" defTabSz="914400" rtl="0" eaLnBrk="1" latinLnBrk="0" hangingPunct="1">
+              <a:defRPr sz="1800" kern="1200">
+                <a:solidFill>
+                  <a:schemeClr val="lt1"/>
+                </a:solidFill>
+                <a:latin typeface="+mn-lt"/>
+                <a:ea typeface="+mn-ea"/>
+                <a:cs typeface="+mn-cs"/>
+              </a:defRPr>
+            </a:lvl6pPr>
+            <a:lvl7pPr marL="2743200" algn="l" defTabSz="914400" rtl="0" eaLnBrk="1" latinLnBrk="0" hangingPunct="1">
+              <a:defRPr sz="1800" kern="1200">
+                <a:solidFill>
+                  <a:schemeClr val="lt1"/>
+                </a:solidFill>
+                <a:latin typeface="+mn-lt"/>
+                <a:ea typeface="+mn-ea"/>
+                <a:cs typeface="+mn-cs"/>
+              </a:defRPr>
+            </a:lvl7pPr>
+            <a:lvl8pPr marL="3200400" algn="l" defTabSz="914400" rtl="0" eaLnBrk="1" latinLnBrk="0" hangingPunct="1">
+              <a:defRPr sz="1800" kern="1200">
+                <a:solidFill>
+                  <a:schemeClr val="lt1"/>
+                </a:solidFill>
+                <a:latin typeface="+mn-lt"/>
+                <a:ea typeface="+mn-ea"/>
+                <a:cs typeface="+mn-cs"/>
+              </a:defRPr>
+            </a:lvl8pPr>
+            <a:lvl9pPr marL="3657600" algn="l" defTabSz="914400" rtl="0" eaLnBrk="1" latinLnBrk="0" hangingPunct="1">
+              <a:defRPr sz="1800" kern="1200">
+                <a:solidFill>
+                  <a:schemeClr val="lt1"/>
+                </a:solidFill>
+                <a:latin typeface="+mn-lt"/>
+                <a:ea typeface="+mn-ea"/>
+                <a:cs typeface="+mn-cs"/>
+              </a:defRPr>
+            </a:lvl9pPr>
+          </a:lstStyle>
+          <a:p>
+            <a:pPr algn="ctr"/>
+            <a:endParaRPr lang="ru-RU"/>
+          </a:p>
+        </p:txBody>
+      </p:sp>
+      <p:sp>
+        <p:nvSpPr>
+          <p:cNvPr id="4" name="Овал 3">
+            <a:extLst>
+              <a:ext uri="{FF2B5EF4-FFF2-40B4-BE49-F238E27FC236}">
+                <a16:creationId xmlns:a16="http://schemas.microsoft.com/office/drawing/2014/main" id="{004DA424-2020-A532-73DC-C3BF7FC89999}"/>
+              </a:ext>
+            </a:extLst>
+          </p:cNvPr>
+          <p:cNvSpPr/>
+          <p:nvPr/>
+        </p:nvSpPr>
+        <p:spPr>
+          <a:xfrm>
+            <a:off x="2686059" y="3233624"/>
+            <a:ext cx="1150684" cy="1132114"/>
+          </a:xfrm>
+          <a:prstGeom prst="ellipse">
+            <a:avLst/>
+          </a:prstGeom>
+          <a:solidFill>
+            <a:schemeClr val="accent1">
+              <a:lumMod val="20000"/>
+              <a:lumOff val="80000"/>
+            </a:schemeClr>
+          </a:solidFill>
+        </p:spPr>
+        <p:style>
+          <a:lnRef idx="2">
+            <a:schemeClr val="accent1">
+              <a:shade val="15000"/>
+            </a:schemeClr>
+          </a:lnRef>
+          <a:fillRef idx="1">
+            <a:schemeClr val="accent1"/>
+          </a:fillRef>
+          <a:effectRef idx="0">
+            <a:schemeClr val="accent1"/>
+          </a:effectRef>
+          <a:fontRef idx="minor">
+            <a:schemeClr val="lt1"/>
+          </a:fontRef>
+        </p:style>
+        <p:txBody>
+          <a:bodyPr lIns="91440" tIns="45720" rIns="91440" bIns="45720" rtlCol="0" anchor="ctr"/>
+          <a:lstStyle>
+            <a:defPPr>
+              <a:defRPr lang="ru-RU"/>
+            </a:defPPr>
+            <a:lvl1pPr marL="0" algn="l" defTabSz="914400" rtl="0" eaLnBrk="1" latinLnBrk="0" hangingPunct="1">
+              <a:defRPr sz="1800" kern="1200">
+                <a:solidFill>
+                  <a:schemeClr val="lt1"/>
+                </a:solidFill>
+                <a:latin typeface="+mn-lt"/>
+                <a:ea typeface="+mn-ea"/>
+                <a:cs typeface="+mn-cs"/>
+              </a:defRPr>
+            </a:lvl1pPr>
+            <a:lvl2pPr marL="457200" algn="l" defTabSz="914400" rtl="0" eaLnBrk="1" latinLnBrk="0" hangingPunct="1">
+              <a:defRPr sz="1800" kern="1200">
+                <a:solidFill>
+                  <a:schemeClr val="lt1"/>
+                </a:solidFill>
+                <a:latin typeface="+mn-lt"/>
+                <a:ea typeface="+mn-ea"/>
+                <a:cs typeface="+mn-cs"/>
+              </a:defRPr>
+            </a:lvl2pPr>
+            <a:lvl3pPr marL="914400" algn="l" defTabSz="914400" rtl="0" eaLnBrk="1" latinLnBrk="0" hangingPunct="1">
+              <a:defRPr sz="1800" kern="1200">
+                <a:solidFill>
+                  <a:schemeClr val="lt1"/>
+                </a:solidFill>
+                <a:latin typeface="+mn-lt"/>
+                <a:ea typeface="+mn-ea"/>
+                <a:cs typeface="+mn-cs"/>
+              </a:defRPr>
+            </a:lvl3pPr>
+            <a:lvl4pPr marL="1371600" algn="l" defTabSz="914400" rtl="0" eaLnBrk="1" latinLnBrk="0" hangingPunct="1">
+              <a:defRPr sz="1800" kern="1200">
+                <a:solidFill>
+                  <a:schemeClr val="lt1"/>
+                </a:solidFill>
+                <a:latin typeface="+mn-lt"/>
+                <a:ea typeface="+mn-ea"/>
+                <a:cs typeface="+mn-cs"/>
+              </a:defRPr>
+            </a:lvl4pPr>
+            <a:lvl5pPr marL="1828800" algn="l" defTabSz="914400" rtl="0" eaLnBrk="1" latinLnBrk="0" hangingPunct="1">
+              <a:defRPr sz="1800" kern="1200">
+                <a:solidFill>
+                  <a:schemeClr val="lt1"/>
+                </a:solidFill>
+                <a:latin typeface="+mn-lt"/>
+                <a:ea typeface="+mn-ea"/>
+                <a:cs typeface="+mn-cs"/>
+              </a:defRPr>
+            </a:lvl5pPr>
+            <a:lvl6pPr marL="2286000" algn="l" defTabSz="914400" rtl="0" eaLnBrk="1" latinLnBrk="0" hangingPunct="1">
+              <a:defRPr sz="1800" kern="1200">
+                <a:solidFill>
+                  <a:schemeClr val="lt1"/>
+                </a:solidFill>
+                <a:latin typeface="+mn-lt"/>
+                <a:ea typeface="+mn-ea"/>
+                <a:cs typeface="+mn-cs"/>
+              </a:defRPr>
+            </a:lvl6pPr>
+            <a:lvl7pPr marL="2743200" algn="l" defTabSz="914400" rtl="0" eaLnBrk="1" latinLnBrk="0" hangingPunct="1">
+              <a:defRPr sz="1800" kern="1200">
+                <a:solidFill>
+                  <a:schemeClr val="lt1"/>
+                </a:solidFill>
+                <a:latin typeface="+mn-lt"/>
+                <a:ea typeface="+mn-ea"/>
+                <a:cs typeface="+mn-cs"/>
+              </a:defRPr>
+            </a:lvl7pPr>
+            <a:lvl8pPr marL="3200400" algn="l" defTabSz="914400" rtl="0" eaLnBrk="1" latinLnBrk="0" hangingPunct="1">
+              <a:defRPr sz="1800" kern="1200">
+                <a:solidFill>
+                  <a:schemeClr val="lt1"/>
+                </a:solidFill>
+                <a:latin typeface="+mn-lt"/>
+                <a:ea typeface="+mn-ea"/>
+                <a:cs typeface="+mn-cs"/>
+              </a:defRPr>
+            </a:lvl8pPr>
+            <a:lvl9pPr marL="3657600" algn="l" defTabSz="914400" rtl="0" eaLnBrk="1" latinLnBrk="0" hangingPunct="1">
+              <a:defRPr sz="1800" kern="1200">
+                <a:solidFill>
+                  <a:schemeClr val="lt1"/>
+                </a:solidFill>
+                <a:latin typeface="+mn-lt"/>
+                <a:ea typeface="+mn-ea"/>
+                <a:cs typeface="+mn-cs"/>
+              </a:defRPr>
+            </a:lvl9pPr>
+          </a:lstStyle>
+          <a:p>
+            <a:pPr algn="ctr"/>
+            <a:endParaRPr lang="ru-RU" dirty="0"/>
+          </a:p>
+        </p:txBody>
+      </p:sp>
+      <p:sp>
+        <p:nvSpPr>
+          <p:cNvPr id="5" name="Овал 4">
+            <a:extLst>
+              <a:ext uri="{FF2B5EF4-FFF2-40B4-BE49-F238E27FC236}">
+                <a16:creationId xmlns:a16="http://schemas.microsoft.com/office/drawing/2014/main" id="{34F8FF7E-E46B-BF90-9B5C-C1A714DC39FA}"/>
+              </a:ext>
+            </a:extLst>
+          </p:cNvPr>
+          <p:cNvSpPr/>
+          <p:nvPr/>
+        </p:nvSpPr>
+        <p:spPr>
+          <a:xfrm>
+            <a:off x="4612831" y="3233622"/>
+            <a:ext cx="1150684" cy="1132114"/>
+          </a:xfrm>
+          <a:prstGeom prst="ellipse">
+            <a:avLst/>
+          </a:prstGeom>
+          <a:solidFill>
+            <a:schemeClr val="accent1">
+              <a:lumMod val="20000"/>
+              <a:lumOff val="80000"/>
+            </a:schemeClr>
+          </a:solidFill>
+        </p:spPr>
+        <p:style>
+          <a:lnRef idx="2">
+            <a:schemeClr val="accent1">
+              <a:shade val="15000"/>
+            </a:schemeClr>
+          </a:lnRef>
+          <a:fillRef idx="1">
+            <a:schemeClr val="accent1"/>
+          </a:fillRef>
+          <a:effectRef idx="0">
+            <a:schemeClr val="accent1"/>
+          </a:effectRef>
+          <a:fontRef idx="minor">
+            <a:schemeClr val="lt1"/>
+          </a:fontRef>
+        </p:style>
+        <p:txBody>
+          <a:bodyPr rtlCol="0" anchor="ctr"/>
+          <a:lstStyle>
+            <a:defPPr>
+              <a:defRPr lang="ru-RU"/>
+            </a:defPPr>
+            <a:lvl1pPr marL="0" algn="l" defTabSz="914400" rtl="0" eaLnBrk="1" latinLnBrk="0" hangingPunct="1">
+              <a:defRPr sz="1800" kern="1200">
+                <a:solidFill>
+                  <a:schemeClr val="lt1"/>
+                </a:solidFill>
+                <a:latin typeface="+mn-lt"/>
+                <a:ea typeface="+mn-ea"/>
+                <a:cs typeface="+mn-cs"/>
+              </a:defRPr>
+            </a:lvl1pPr>
+            <a:lvl2pPr marL="457200" algn="l" defTabSz="914400" rtl="0" eaLnBrk="1" latinLnBrk="0" hangingPunct="1">
+              <a:defRPr sz="1800" kern="1200">
+                <a:solidFill>
+                  <a:schemeClr val="lt1"/>
+                </a:solidFill>
+                <a:latin typeface="+mn-lt"/>
+                <a:ea typeface="+mn-ea"/>
+                <a:cs typeface="+mn-cs"/>
+              </a:defRPr>
+            </a:lvl2pPr>
+            <a:lvl3pPr marL="914400" algn="l" defTabSz="914400" rtl="0" eaLnBrk="1" latinLnBrk="0" hangingPunct="1">
+              <a:defRPr sz="1800" kern="1200">
+                <a:solidFill>
+                  <a:schemeClr val="lt1"/>
+                </a:solidFill>
+                <a:latin typeface="+mn-lt"/>
+                <a:ea typeface="+mn-ea"/>
+                <a:cs typeface="+mn-cs"/>
+              </a:defRPr>
+            </a:lvl3pPr>
+            <a:lvl4pPr marL="1371600" algn="l" defTabSz="914400" rtl="0" eaLnBrk="1" latinLnBrk="0" hangingPunct="1">
+              <a:defRPr sz="1800" kern="1200">
+                <a:solidFill>
+                  <a:schemeClr val="lt1"/>
+                </a:solidFill>
+                <a:latin typeface="+mn-lt"/>
+                <a:ea typeface="+mn-ea"/>
+                <a:cs typeface="+mn-cs"/>
+              </a:defRPr>
+            </a:lvl4pPr>
+            <a:lvl5pPr marL="1828800" algn="l" defTabSz="914400" rtl="0" eaLnBrk="1" latinLnBrk="0" hangingPunct="1">
+              <a:defRPr sz="1800" kern="1200">
+                <a:solidFill>
+                  <a:schemeClr val="lt1"/>
+                </a:solidFill>
+                <a:latin typeface="+mn-lt"/>
+                <a:ea typeface="+mn-ea"/>
+                <a:cs typeface="+mn-cs"/>
+              </a:defRPr>
+            </a:lvl5pPr>
+            <a:lvl6pPr marL="2286000" algn="l" defTabSz="914400" rtl="0" eaLnBrk="1" latinLnBrk="0" hangingPunct="1">
+              <a:defRPr sz="1800" kern="1200">
+                <a:solidFill>
+                  <a:schemeClr val="lt1"/>
+                </a:solidFill>
+                <a:latin typeface="+mn-lt"/>
+                <a:ea typeface="+mn-ea"/>
+                <a:cs typeface="+mn-cs"/>
+              </a:defRPr>
+            </a:lvl6pPr>
+            <a:lvl7pPr marL="2743200" algn="l" defTabSz="914400" rtl="0" eaLnBrk="1" latinLnBrk="0" hangingPunct="1">
+              <a:defRPr sz="1800" kern="1200">
+                <a:solidFill>
+                  <a:schemeClr val="lt1"/>
+                </a:solidFill>
+                <a:latin typeface="+mn-lt"/>
+                <a:ea typeface="+mn-ea"/>
+                <a:cs typeface="+mn-cs"/>
+              </a:defRPr>
+            </a:lvl7pPr>
+            <a:lvl8pPr marL="3200400" algn="l" defTabSz="914400" rtl="0" eaLnBrk="1" latinLnBrk="0" hangingPunct="1">
+              <a:defRPr sz="1800" kern="1200">
+                <a:solidFill>
+                  <a:schemeClr val="lt1"/>
+                </a:solidFill>
+                <a:latin typeface="+mn-lt"/>
+                <a:ea typeface="+mn-ea"/>
+                <a:cs typeface="+mn-cs"/>
+              </a:defRPr>
+            </a:lvl8pPr>
+            <a:lvl9pPr marL="3657600" algn="l" defTabSz="914400" rtl="0" eaLnBrk="1" latinLnBrk="0" hangingPunct="1">
+              <a:defRPr sz="1800" kern="1200">
+                <a:solidFill>
+                  <a:schemeClr val="lt1"/>
+                </a:solidFill>
+                <a:latin typeface="+mn-lt"/>
+                <a:ea typeface="+mn-ea"/>
+                <a:cs typeface="+mn-cs"/>
+              </a:defRPr>
+            </a:lvl9pPr>
+          </a:lstStyle>
+          <a:p>
+            <a:pPr algn="ctr"/>
+            <a:endParaRPr lang="ru-RU"/>
+          </a:p>
+        </p:txBody>
+      </p:sp>
+      <p:cxnSp>
+        <p:nvCxnSpPr>
+          <p:cNvPr id="6" name="Прямая со стрелкой 5">
+            <a:extLst>
+              <a:ext uri="{FF2B5EF4-FFF2-40B4-BE49-F238E27FC236}">
+                <a16:creationId xmlns:a16="http://schemas.microsoft.com/office/drawing/2014/main" id="{088AE403-885F-C9DD-6100-C2A2F011A34E}"/>
+              </a:ext>
+            </a:extLst>
+          </p:cNvPr>
+          <p:cNvCxnSpPr>
+            <a:cxnSpLocks/>
+          </p:cNvCxnSpPr>
+          <p:nvPr/>
+        </p:nvCxnSpPr>
+        <p:spPr>
+          <a:xfrm flipV="1">
+            <a:off x="1945830" y="3745252"/>
+            <a:ext cx="722298" cy="2"/>
+          </a:xfrm>
+          <a:prstGeom prst="straightConnector1">
+            <a:avLst/>
+          </a:prstGeom>
+          <a:ln>
+            <a:tailEnd type="triangle"/>
+          </a:ln>
+        </p:spPr>
+        <p:style>
+          <a:lnRef idx="3">
+            <a:schemeClr val="accent1"/>
+          </a:lnRef>
+          <a:fillRef idx="0">
+            <a:schemeClr val="accent1"/>
+          </a:fillRef>
+          <a:effectRef idx="2">
+            <a:schemeClr val="accent1"/>
+          </a:effectRef>
+          <a:fontRef idx="minor">
+            <a:schemeClr val="tx1"/>
+          </a:fontRef>
+        </p:style>
+      </p:cxnSp>
+      <p:cxnSp>
+        <p:nvCxnSpPr>
+          <p:cNvPr id="7" name="Прямая со стрелкой 6">
+            <a:extLst>
+              <a:ext uri="{FF2B5EF4-FFF2-40B4-BE49-F238E27FC236}">
+                <a16:creationId xmlns:a16="http://schemas.microsoft.com/office/drawing/2014/main" id="{86D8CE43-7EE3-7ACF-C30B-0ED1C5F44EB0}"/>
+              </a:ext>
+            </a:extLst>
+          </p:cNvPr>
+          <p:cNvCxnSpPr>
+            <a:cxnSpLocks/>
+          </p:cNvCxnSpPr>
+          <p:nvPr/>
+        </p:nvCxnSpPr>
+        <p:spPr>
+          <a:xfrm flipV="1">
+            <a:off x="3872601" y="3788795"/>
+            <a:ext cx="722298" cy="2"/>
+          </a:xfrm>
+          <a:prstGeom prst="straightConnector1">
+            <a:avLst/>
+          </a:prstGeom>
+          <a:ln>
+            <a:tailEnd type="triangle"/>
+          </a:ln>
+        </p:spPr>
+        <p:style>
+          <a:lnRef idx="3">
+            <a:schemeClr val="accent1"/>
+          </a:lnRef>
+          <a:fillRef idx="0">
+            <a:schemeClr val="accent1"/>
+          </a:fillRef>
+          <a:effectRef idx="2">
+            <a:schemeClr val="accent1"/>
+          </a:effectRef>
+          <a:fontRef idx="minor">
+            <a:schemeClr val="tx1"/>
+          </a:fontRef>
+        </p:style>
+      </p:cxnSp>
+      <p:sp>
+        <p:nvSpPr>
+          <p:cNvPr id="8" name="TextBox 10">
+            <a:extLst>
+              <a:ext uri="{FF2B5EF4-FFF2-40B4-BE49-F238E27FC236}">
+                <a16:creationId xmlns:a16="http://schemas.microsoft.com/office/drawing/2014/main" id="{3E2A5312-E953-3482-ADEB-DC307BAB8AFD}"/>
+              </a:ext>
+            </a:extLst>
+          </p:cNvPr>
+          <p:cNvSpPr txBox="1"/>
+          <p:nvPr/>
+        </p:nvSpPr>
+        <p:spPr>
+          <a:xfrm>
+            <a:off x="1129401" y="3473110"/>
+            <a:ext cx="515471" cy="646331"/>
+          </a:xfrm>
+          <a:prstGeom prst="rect">
+            <a:avLst/>
+          </a:prstGeom>
+          <a:noFill/>
+        </p:spPr>
+        <p:txBody>
+          <a:bodyPr rot="0" spcFirstLastPara="0" vert="horz" wrap="square" lIns="91440" tIns="45720" rIns="91440" bIns="45720" numCol="1" spcCol="0" rtlCol="0" fromWordArt="0" anchor="t" anchorCtr="0" forceAA="0" compatLnSpc="1">
+            <a:prstTxWarp prst="textNoShape">
+              <a:avLst/>
+            </a:prstTxWarp>
+            <a:spAutoFit/>
+          </a:bodyPr>
+          <a:lstStyle>
+            <a:defPPr>
+              <a:defRPr lang="ru-RU"/>
+            </a:defPPr>
+            <a:lvl1pPr marL="0" algn="l" defTabSz="914400" rtl="0" eaLnBrk="1" latinLnBrk="0" hangingPunct="1">
+              <a:defRPr sz="1800" kern="1200">
+                <a:solidFill>
+                  <a:schemeClr val="tx1"/>
+                </a:solidFill>
+                <a:latin typeface="+mn-lt"/>
+                <a:ea typeface="+mn-ea"/>
+                <a:cs typeface="+mn-cs"/>
+              </a:defRPr>
+            </a:lvl1pPr>
+            <a:lvl2pPr marL="457200" algn="l" defTabSz="914400" rtl="0" eaLnBrk="1" latinLnBrk="0" hangingPunct="1">
+              <a:defRPr sz="1800" kern="1200">
+                <a:solidFill>
+                  <a:schemeClr val="tx1"/>
+                </a:solidFill>
+                <a:latin typeface="+mn-lt"/>
+                <a:ea typeface="+mn-ea"/>
+                <a:cs typeface="+mn-cs"/>
+              </a:defRPr>
+            </a:lvl2pPr>
+            <a:lvl3pPr marL="914400" algn="l" defTabSz="914400" rtl="0" eaLnBrk="1" latinLnBrk="0" hangingPunct="1">
+              <a:defRPr sz="1800" kern="1200">
+                <a:solidFill>
+                  <a:schemeClr val="tx1"/>
+                </a:solidFill>
+                <a:latin typeface="+mn-lt"/>
+                <a:ea typeface="+mn-ea"/>
+                <a:cs typeface="+mn-cs"/>
+              </a:defRPr>
+            </a:lvl3pPr>
+            <a:lvl4pPr marL="1371600" algn="l" defTabSz="914400" rtl="0" eaLnBrk="1" latinLnBrk="0" hangingPunct="1">
+              <a:defRPr sz="1800" kern="1200">
+                <a:solidFill>
+                  <a:schemeClr val="tx1"/>
+                </a:solidFill>
+                <a:latin typeface="+mn-lt"/>
+                <a:ea typeface="+mn-ea"/>
+                <a:cs typeface="+mn-cs"/>
+              </a:defRPr>
+            </a:lvl4pPr>
+            <a:lvl5pPr marL="1828800" algn="l" defTabSz="914400" rtl="0" eaLnBrk="1" latinLnBrk="0" hangingPunct="1">
+              <a:defRPr sz="1800" kern="1200">
+                <a:solidFill>
+                  <a:schemeClr val="tx1"/>
+                </a:solidFill>
+                <a:latin typeface="+mn-lt"/>
+                <a:ea typeface="+mn-ea"/>
+                <a:cs typeface="+mn-cs"/>
+              </a:defRPr>
+            </a:lvl5pPr>
+            <a:lvl6pPr marL="2286000" algn="l" defTabSz="914400" rtl="0" eaLnBrk="1" latinLnBrk="0" hangingPunct="1">
+              <a:defRPr sz="1800" kern="1200">
+                <a:solidFill>
+                  <a:schemeClr val="tx1"/>
+                </a:solidFill>
+                <a:latin typeface="+mn-lt"/>
+                <a:ea typeface="+mn-ea"/>
+                <a:cs typeface="+mn-cs"/>
+              </a:defRPr>
+            </a:lvl6pPr>
+            <a:lvl7pPr marL="2743200" algn="l" defTabSz="914400" rtl="0" eaLnBrk="1" latinLnBrk="0" hangingPunct="1">
+              <a:defRPr sz="1800" kern="1200">
+                <a:solidFill>
+                  <a:schemeClr val="tx1"/>
+                </a:solidFill>
+                <a:latin typeface="+mn-lt"/>
+                <a:ea typeface="+mn-ea"/>
+                <a:cs typeface="+mn-cs"/>
+              </a:defRPr>
+            </a:lvl7pPr>
+            <a:lvl8pPr marL="3200400" algn="l" defTabSz="914400" rtl="0" eaLnBrk="1" latinLnBrk="0" hangingPunct="1">
+              <a:defRPr sz="1800" kern="1200">
+                <a:solidFill>
+                  <a:schemeClr val="tx1"/>
+                </a:solidFill>
+                <a:latin typeface="+mn-lt"/>
+                <a:ea typeface="+mn-ea"/>
+                <a:cs typeface="+mn-cs"/>
+              </a:defRPr>
+            </a:lvl8pPr>
+            <a:lvl9pPr marL="3657600" algn="l" defTabSz="914400" rtl="0" eaLnBrk="1" latinLnBrk="0" hangingPunct="1">
+              <a:defRPr sz="1800" kern="1200">
+                <a:solidFill>
+                  <a:schemeClr val="tx1"/>
+                </a:solidFill>
+                <a:latin typeface="+mn-lt"/>
+                <a:ea typeface="+mn-ea"/>
+                <a:cs typeface="+mn-cs"/>
+              </a:defRPr>
+            </a:lvl9pPr>
+          </a:lstStyle>
+          <a:p>
+            <a:pPr algn="l"/>
+            <a:r>
+              <a:rPr lang="ru-RU" sz="3600">
+                <a:latin typeface="Times New Roman"/>
+                <a:cs typeface="Times New Roman"/>
+              </a:rPr>
+              <a:t>S</a:t>
+            </a:r>
+          </a:p>
+        </p:txBody>
+      </p:sp>
+      <mc:AlternateContent xmlns:mc="http://schemas.openxmlformats.org/markup-compatibility/2006">
+        <mc:Choice xmlns:a14="http://schemas.microsoft.com/office/drawing/2010/main" Requires="a14">
+          <p:sp>
+            <p:nvSpPr>
+              <p:cNvPr id="9" name="TextBox 11">
+                <a:extLst>
+                  <a:ext uri="{FF2B5EF4-FFF2-40B4-BE49-F238E27FC236}">
+                    <a16:creationId xmlns:a16="http://schemas.microsoft.com/office/drawing/2014/main" id="{5D4A1F83-C799-7DB9-DC5B-FE3FBD4A5CFC}"/>
+                  </a:ext>
+                </a:extLst>
+              </p:cNvPr>
+              <p:cNvSpPr txBox="1"/>
+              <p:nvPr/>
+            </p:nvSpPr>
+            <p:spPr>
+              <a:xfrm>
+                <a:off x="3023800" y="3473110"/>
+                <a:ext cx="655385" cy="646331"/>
+              </a:xfrm>
+              <a:prstGeom prst="rect">
+                <a:avLst/>
+              </a:prstGeom>
+              <a:noFill/>
+            </p:spPr>
+            <p:txBody>
+              <a:bodyPr rot="0" spcFirstLastPara="0" vert="horz" wrap="square" lIns="91440" tIns="45720" rIns="91440" bIns="45720" numCol="1" spcCol="0" rtlCol="0" fromWordArt="0" anchor="t" anchorCtr="0" forceAA="0" compatLnSpc="1">
+                <a:prstTxWarp prst="textNoShape">
+                  <a:avLst/>
+                </a:prstTxWarp>
+                <a:spAutoFit/>
+              </a:bodyPr>
+              <a:lstStyle>
+                <a:defPPr>
+                  <a:defRPr lang="ru-RU"/>
+                </a:defPPr>
+                <a:lvl1pPr marL="0" algn="l" defTabSz="914400" rtl="0" eaLnBrk="1" latinLnBrk="0" hangingPunct="1">
+                  <a:defRPr sz="1800" kern="1200">
+                    <a:solidFill>
+                      <a:schemeClr val="tx1"/>
+                    </a:solidFill>
+                    <a:latin typeface="+mn-lt"/>
+                    <a:ea typeface="+mn-ea"/>
+                    <a:cs typeface="+mn-cs"/>
+                  </a:defRPr>
+                </a:lvl1pPr>
+                <a:lvl2pPr marL="457200" algn="l" defTabSz="914400" rtl="0" eaLnBrk="1" latinLnBrk="0" hangingPunct="1">
+                  <a:defRPr sz="1800" kern="1200">
+                    <a:solidFill>
+                      <a:schemeClr val="tx1"/>
+                    </a:solidFill>
+                    <a:latin typeface="+mn-lt"/>
+                    <a:ea typeface="+mn-ea"/>
+                    <a:cs typeface="+mn-cs"/>
+                  </a:defRPr>
+                </a:lvl2pPr>
+                <a:lvl3pPr marL="914400" algn="l" defTabSz="914400" rtl="0" eaLnBrk="1" latinLnBrk="0" hangingPunct="1">
+                  <a:defRPr sz="1800" kern="1200">
+                    <a:solidFill>
+                      <a:schemeClr val="tx1"/>
+                    </a:solidFill>
+                    <a:latin typeface="+mn-lt"/>
+                    <a:ea typeface="+mn-ea"/>
+                    <a:cs typeface="+mn-cs"/>
+                  </a:defRPr>
+                </a:lvl3pPr>
+                <a:lvl4pPr marL="1371600" algn="l" defTabSz="914400" rtl="0" eaLnBrk="1" latinLnBrk="0" hangingPunct="1">
+                  <a:defRPr sz="1800" kern="1200">
+                    <a:solidFill>
+                      <a:schemeClr val="tx1"/>
+                    </a:solidFill>
+                    <a:latin typeface="+mn-lt"/>
+                    <a:ea typeface="+mn-ea"/>
+                    <a:cs typeface="+mn-cs"/>
+                  </a:defRPr>
+                </a:lvl4pPr>
+                <a:lvl5pPr marL="1828800" algn="l" defTabSz="914400" rtl="0" eaLnBrk="1" latinLnBrk="0" hangingPunct="1">
+                  <a:defRPr sz="1800" kern="1200">
+                    <a:solidFill>
+                      <a:schemeClr val="tx1"/>
+                    </a:solidFill>
+                    <a:latin typeface="+mn-lt"/>
+                    <a:ea typeface="+mn-ea"/>
+                    <a:cs typeface="+mn-cs"/>
+                  </a:defRPr>
+                </a:lvl5pPr>
+                <a:lvl6pPr marL="2286000" algn="l" defTabSz="914400" rtl="0" eaLnBrk="1" latinLnBrk="0" hangingPunct="1">
+                  <a:defRPr sz="1800" kern="1200">
+                    <a:solidFill>
+                      <a:schemeClr val="tx1"/>
+                    </a:solidFill>
+                    <a:latin typeface="+mn-lt"/>
+                    <a:ea typeface="+mn-ea"/>
+                    <a:cs typeface="+mn-cs"/>
+                  </a:defRPr>
+                </a:lvl6pPr>
+                <a:lvl7pPr marL="2743200" algn="l" defTabSz="914400" rtl="0" eaLnBrk="1" latinLnBrk="0" hangingPunct="1">
+                  <a:defRPr sz="1800" kern="1200">
+                    <a:solidFill>
+                      <a:schemeClr val="tx1"/>
+                    </a:solidFill>
+                    <a:latin typeface="+mn-lt"/>
+                    <a:ea typeface="+mn-ea"/>
+                    <a:cs typeface="+mn-cs"/>
+                  </a:defRPr>
+                </a:lvl7pPr>
+                <a:lvl8pPr marL="3200400" algn="l" defTabSz="914400" rtl="0" eaLnBrk="1" latinLnBrk="0" hangingPunct="1">
+                  <a:defRPr sz="1800" kern="1200">
+                    <a:solidFill>
+                      <a:schemeClr val="tx1"/>
+                    </a:solidFill>
+                    <a:latin typeface="+mn-lt"/>
+                    <a:ea typeface="+mn-ea"/>
+                    <a:cs typeface="+mn-cs"/>
+                  </a:defRPr>
+                </a:lvl8pPr>
+                <a:lvl9pPr marL="3657600" algn="l" defTabSz="914400" rtl="0" eaLnBrk="1" latinLnBrk="0" hangingPunct="1">
+                  <a:defRPr sz="1800" kern="1200">
+                    <a:solidFill>
+                      <a:schemeClr val="tx1"/>
+                    </a:solidFill>
+                    <a:latin typeface="+mn-lt"/>
+                    <a:ea typeface="+mn-ea"/>
+                    <a:cs typeface="+mn-cs"/>
+                  </a:defRPr>
+                </a:lvl9pPr>
+              </a:lstStyle>
+              <a:p>
+                <a:pPr algn="l"/>
+                <a14:m>
+                  <m:oMathPara xmlns:m="http://schemas.openxmlformats.org/officeDocument/2006/math">
+                    <m:oMathParaPr>
+                      <m:jc m:val="centerGroup"/>
+                    </m:oMathParaPr>
+                    <m:oMath xmlns:m="http://schemas.openxmlformats.org/officeDocument/2006/math">
+                      <m:sSub>
+                        <m:sSubPr>
+                          <m:ctrlPr>
+                            <a:rPr lang="en-US" sz="3600" b="0" i="1" smtClean="0">
+                              <a:latin typeface="Cambria Math" panose="02040503050406030204" pitchFamily="18" charset="0"/>
+                              <a:cs typeface="Times New Roman"/>
+                            </a:rPr>
+                          </m:ctrlPr>
+                        </m:sSubPr>
+                        <m:e>
+                          <m:r>
+                            <a:rPr lang="en-US" sz="3600" b="0" i="1" smtClean="0">
+                              <a:latin typeface="Cambria Math" panose="02040503050406030204" pitchFamily="18" charset="0"/>
+                              <a:cs typeface="Times New Roman"/>
+                            </a:rPr>
+                            <m:t>𝐼</m:t>
+                          </m:r>
+                        </m:e>
+                        <m:sub>
+                          <m:r>
+                            <a:rPr lang="en-US" sz="3600" b="0" i="1" smtClean="0">
+                              <a:latin typeface="Cambria Math" panose="02040503050406030204" pitchFamily="18" charset="0"/>
+                              <a:cs typeface="Times New Roman"/>
+                            </a:rPr>
+                            <m:t>1</m:t>
+                          </m:r>
+                        </m:sub>
+                      </m:sSub>
+                    </m:oMath>
+                  </m:oMathPara>
+                </a14:m>
+                <a:endParaRPr lang="ru-RU" sz="3600" dirty="0">
+                  <a:latin typeface="Times New Roman"/>
+                  <a:cs typeface="Times New Roman"/>
+                </a:endParaRPr>
+              </a:p>
+            </p:txBody>
+          </p:sp>
+        </mc:Choice>
+        <mc:Fallback>
+          <p:sp>
+            <p:nvSpPr>
+              <p:cNvPr id="9" name="TextBox 11">
+                <a:extLst>
+                  <a:ext uri="{FF2B5EF4-FFF2-40B4-BE49-F238E27FC236}">
+                    <a16:creationId xmlns:a16="http://schemas.microsoft.com/office/drawing/2014/main" id="{5D4A1F83-C799-7DB9-DC5B-FE3FBD4A5CFC}"/>
+                  </a:ext>
+                </a:extLst>
+              </p:cNvPr>
+              <p:cNvSpPr txBox="1">
+                <a:spLocks noRot="1" noChangeAspect="1" noMove="1" noResize="1" noEditPoints="1" noAdjustHandles="1" noChangeArrowheads="1" noChangeShapeType="1" noTextEdit="1"/>
+              </p:cNvSpPr>
+              <p:nvPr/>
+            </p:nvSpPr>
+            <p:spPr>
+              <a:xfrm>
+                <a:off x="3023800" y="3473110"/>
+                <a:ext cx="655385" cy="646331"/>
+              </a:xfrm>
+              <a:prstGeom prst="rect">
+                <a:avLst/>
+              </a:prstGeom>
+              <a:blipFill>
+                <a:blip r:embed="rId4"/>
+                <a:stretch>
+                  <a:fillRect/>
+                </a:stretch>
+              </a:blipFill>
+            </p:spPr>
+            <p:txBody>
+              <a:bodyPr/>
+              <a:lstStyle/>
+              <a:p>
+                <a:r>
+                  <a:rPr lang="ru-RU">
+                    <a:noFill/>
+                  </a:rPr>
+                  <a:t> </a:t>
+                </a:r>
+              </a:p>
+            </p:txBody>
+          </p:sp>
+        </mc:Fallback>
+      </mc:AlternateContent>
+      <p:sp>
+        <p:nvSpPr>
+          <p:cNvPr id="10" name="TextBox 16">
+            <a:extLst>
+              <a:ext uri="{FF2B5EF4-FFF2-40B4-BE49-F238E27FC236}">
+                <a16:creationId xmlns:a16="http://schemas.microsoft.com/office/drawing/2014/main" id="{91ABADB2-BB31-858F-7F8D-A4D6B71C36DE}"/>
+              </a:ext>
+            </a:extLst>
+          </p:cNvPr>
+          <p:cNvSpPr txBox="1"/>
+          <p:nvPr/>
+        </p:nvSpPr>
+        <p:spPr>
+          <a:xfrm>
+            <a:off x="2064932" y="3232345"/>
+            <a:ext cx="349624" cy="707886"/>
+          </a:xfrm>
+          <a:prstGeom prst="rect">
+            <a:avLst/>
+          </a:prstGeom>
+          <a:noFill/>
+        </p:spPr>
+        <p:txBody>
+          <a:bodyPr rot="0" spcFirstLastPara="0" vert="horz" wrap="square" lIns="91440" tIns="45720" rIns="91440" bIns="45720" numCol="1" spcCol="0" rtlCol="0" fromWordArt="0" anchor="t" anchorCtr="0" forceAA="0" compatLnSpc="1">
+            <a:prstTxWarp prst="textNoShape">
+              <a:avLst/>
+            </a:prstTxWarp>
+            <a:spAutoFit/>
+          </a:bodyPr>
+          <a:lstStyle>
+            <a:defPPr>
+              <a:defRPr lang="ru-RU"/>
+            </a:defPPr>
+            <a:lvl1pPr marL="0" algn="l" defTabSz="914400" rtl="0" eaLnBrk="1" latinLnBrk="0" hangingPunct="1">
+              <a:defRPr sz="1800" kern="1200">
+                <a:solidFill>
+                  <a:schemeClr val="tx1"/>
+                </a:solidFill>
+                <a:latin typeface="+mn-lt"/>
+                <a:ea typeface="+mn-ea"/>
+                <a:cs typeface="+mn-cs"/>
+              </a:defRPr>
+            </a:lvl1pPr>
+            <a:lvl2pPr marL="457200" algn="l" defTabSz="914400" rtl="0" eaLnBrk="1" latinLnBrk="0" hangingPunct="1">
+              <a:defRPr sz="1800" kern="1200">
+                <a:solidFill>
+                  <a:schemeClr val="tx1"/>
+                </a:solidFill>
+                <a:latin typeface="+mn-lt"/>
+                <a:ea typeface="+mn-ea"/>
+                <a:cs typeface="+mn-cs"/>
+              </a:defRPr>
+            </a:lvl2pPr>
+            <a:lvl3pPr marL="914400" algn="l" defTabSz="914400" rtl="0" eaLnBrk="1" latinLnBrk="0" hangingPunct="1">
+              <a:defRPr sz="1800" kern="1200">
+                <a:solidFill>
+                  <a:schemeClr val="tx1"/>
+                </a:solidFill>
+                <a:latin typeface="+mn-lt"/>
+                <a:ea typeface="+mn-ea"/>
+                <a:cs typeface="+mn-cs"/>
+              </a:defRPr>
+            </a:lvl3pPr>
+            <a:lvl4pPr marL="1371600" algn="l" defTabSz="914400" rtl="0" eaLnBrk="1" latinLnBrk="0" hangingPunct="1">
+              <a:defRPr sz="1800" kern="1200">
+                <a:solidFill>
+                  <a:schemeClr val="tx1"/>
+                </a:solidFill>
+                <a:latin typeface="+mn-lt"/>
+                <a:ea typeface="+mn-ea"/>
+                <a:cs typeface="+mn-cs"/>
+              </a:defRPr>
+            </a:lvl4pPr>
+            <a:lvl5pPr marL="1828800" algn="l" defTabSz="914400" rtl="0" eaLnBrk="1" latinLnBrk="0" hangingPunct="1">
+              <a:defRPr sz="1800" kern="1200">
+                <a:solidFill>
+                  <a:schemeClr val="tx1"/>
+                </a:solidFill>
+                <a:latin typeface="+mn-lt"/>
+                <a:ea typeface="+mn-ea"/>
+                <a:cs typeface="+mn-cs"/>
+              </a:defRPr>
+            </a:lvl5pPr>
+            <a:lvl6pPr marL="2286000" algn="l" defTabSz="914400" rtl="0" eaLnBrk="1" latinLnBrk="0" hangingPunct="1">
+              <a:defRPr sz="1800" kern="1200">
+                <a:solidFill>
+                  <a:schemeClr val="tx1"/>
+                </a:solidFill>
+                <a:latin typeface="+mn-lt"/>
+                <a:ea typeface="+mn-ea"/>
+                <a:cs typeface="+mn-cs"/>
+              </a:defRPr>
+            </a:lvl6pPr>
+            <a:lvl7pPr marL="2743200" algn="l" defTabSz="914400" rtl="0" eaLnBrk="1" latinLnBrk="0" hangingPunct="1">
+              <a:defRPr sz="1800" kern="1200">
+                <a:solidFill>
+                  <a:schemeClr val="tx1"/>
+                </a:solidFill>
+                <a:latin typeface="+mn-lt"/>
+                <a:ea typeface="+mn-ea"/>
+                <a:cs typeface="+mn-cs"/>
+              </a:defRPr>
+            </a:lvl7pPr>
+            <a:lvl8pPr marL="3200400" algn="l" defTabSz="914400" rtl="0" eaLnBrk="1" latinLnBrk="0" hangingPunct="1">
+              <a:defRPr sz="1800" kern="1200">
+                <a:solidFill>
+                  <a:schemeClr val="tx1"/>
+                </a:solidFill>
+                <a:latin typeface="+mn-lt"/>
+                <a:ea typeface="+mn-ea"/>
+                <a:cs typeface="+mn-cs"/>
+              </a:defRPr>
+            </a:lvl8pPr>
+            <a:lvl9pPr marL="3657600" algn="l" defTabSz="914400" rtl="0" eaLnBrk="1" latinLnBrk="0" hangingPunct="1">
+              <a:defRPr sz="1800" kern="1200">
+                <a:solidFill>
+                  <a:schemeClr val="tx1"/>
+                </a:solidFill>
+                <a:latin typeface="+mn-lt"/>
+                <a:ea typeface="+mn-ea"/>
+                <a:cs typeface="+mn-cs"/>
+              </a:defRPr>
+            </a:lvl9pPr>
+          </a:lstStyle>
+          <a:p>
+            <a:r>
+              <a:rPr lang="ru-RU" sz="2000" dirty="0">
+                <a:solidFill>
+                  <a:srgbClr val="202122"/>
+                </a:solidFill>
+                <a:latin typeface="Times New Roman"/>
+              </a:rPr>
+              <a:t>β </a:t>
+            </a:r>
+            <a:endParaRPr lang="ru-RU" dirty="0"/>
+          </a:p>
+        </p:txBody>
+      </p:sp>
+      <mc:AlternateContent xmlns:mc="http://schemas.openxmlformats.org/markup-compatibility/2006">
+        <mc:Choice xmlns:a14="http://schemas.microsoft.com/office/drawing/2010/main" Requires="a14">
+          <p:sp>
+            <p:nvSpPr>
+              <p:cNvPr id="11" name="TextBox 17">
+                <a:extLst>
+                  <a:ext uri="{FF2B5EF4-FFF2-40B4-BE49-F238E27FC236}">
+                    <a16:creationId xmlns:a16="http://schemas.microsoft.com/office/drawing/2014/main" id="{A8F099D6-F52D-DAD7-7802-9D77E0012D3F}"/>
+                  </a:ext>
+                </a:extLst>
+              </p:cNvPr>
+              <p:cNvSpPr txBox="1"/>
+              <p:nvPr/>
+            </p:nvSpPr>
+            <p:spPr>
+              <a:xfrm>
+                <a:off x="3974760" y="3295097"/>
+                <a:ext cx="340659" cy="369332"/>
+              </a:xfrm>
+              <a:prstGeom prst="rect">
+                <a:avLst/>
+              </a:prstGeom>
+              <a:noFill/>
+            </p:spPr>
+            <p:txBody>
+              <a:bodyPr rot="0" spcFirstLastPara="0" vert="horz" wrap="square" lIns="91440" tIns="45720" rIns="91440" bIns="45720" numCol="1" spcCol="0" rtlCol="0" fromWordArt="0" anchor="t" anchorCtr="0" forceAA="0" compatLnSpc="1">
+                <a:prstTxWarp prst="textNoShape">
+                  <a:avLst/>
+                </a:prstTxWarp>
+                <a:spAutoFit/>
+              </a:bodyPr>
+              <a:lstStyle>
+                <a:defPPr>
+                  <a:defRPr lang="ru-RU"/>
+                </a:defPPr>
+                <a:lvl1pPr marL="0" algn="l" defTabSz="914400" rtl="0" eaLnBrk="1" latinLnBrk="0" hangingPunct="1">
+                  <a:defRPr sz="1800" kern="1200">
+                    <a:solidFill>
+                      <a:schemeClr val="tx1"/>
+                    </a:solidFill>
+                    <a:latin typeface="+mn-lt"/>
+                    <a:ea typeface="+mn-ea"/>
+                    <a:cs typeface="+mn-cs"/>
+                  </a:defRPr>
+                </a:lvl1pPr>
+                <a:lvl2pPr marL="457200" algn="l" defTabSz="914400" rtl="0" eaLnBrk="1" latinLnBrk="0" hangingPunct="1">
+                  <a:defRPr sz="1800" kern="1200">
+                    <a:solidFill>
+                      <a:schemeClr val="tx1"/>
+                    </a:solidFill>
+                    <a:latin typeface="+mn-lt"/>
+                    <a:ea typeface="+mn-ea"/>
+                    <a:cs typeface="+mn-cs"/>
+                  </a:defRPr>
+                </a:lvl2pPr>
+                <a:lvl3pPr marL="914400" algn="l" defTabSz="914400" rtl="0" eaLnBrk="1" latinLnBrk="0" hangingPunct="1">
+                  <a:defRPr sz="1800" kern="1200">
+                    <a:solidFill>
+                      <a:schemeClr val="tx1"/>
+                    </a:solidFill>
+                    <a:latin typeface="+mn-lt"/>
+                    <a:ea typeface="+mn-ea"/>
+                    <a:cs typeface="+mn-cs"/>
+                  </a:defRPr>
+                </a:lvl3pPr>
+                <a:lvl4pPr marL="1371600" algn="l" defTabSz="914400" rtl="0" eaLnBrk="1" latinLnBrk="0" hangingPunct="1">
+                  <a:defRPr sz="1800" kern="1200">
+                    <a:solidFill>
+                      <a:schemeClr val="tx1"/>
+                    </a:solidFill>
+                    <a:latin typeface="+mn-lt"/>
+                    <a:ea typeface="+mn-ea"/>
+                    <a:cs typeface="+mn-cs"/>
+                  </a:defRPr>
+                </a:lvl4pPr>
+                <a:lvl5pPr marL="1828800" algn="l" defTabSz="914400" rtl="0" eaLnBrk="1" latinLnBrk="0" hangingPunct="1">
+                  <a:defRPr sz="1800" kern="1200">
+                    <a:solidFill>
+                      <a:schemeClr val="tx1"/>
+                    </a:solidFill>
+                    <a:latin typeface="+mn-lt"/>
+                    <a:ea typeface="+mn-ea"/>
+                    <a:cs typeface="+mn-cs"/>
+                  </a:defRPr>
+                </a:lvl5pPr>
+                <a:lvl6pPr marL="2286000" algn="l" defTabSz="914400" rtl="0" eaLnBrk="1" latinLnBrk="0" hangingPunct="1">
+                  <a:defRPr sz="1800" kern="1200">
+                    <a:solidFill>
+                      <a:schemeClr val="tx1"/>
+                    </a:solidFill>
+                    <a:latin typeface="+mn-lt"/>
+                    <a:ea typeface="+mn-ea"/>
+                    <a:cs typeface="+mn-cs"/>
+                  </a:defRPr>
+                </a:lvl6pPr>
+                <a:lvl7pPr marL="2743200" algn="l" defTabSz="914400" rtl="0" eaLnBrk="1" latinLnBrk="0" hangingPunct="1">
+                  <a:defRPr sz="1800" kern="1200">
+                    <a:solidFill>
+                      <a:schemeClr val="tx1"/>
+                    </a:solidFill>
+                    <a:latin typeface="+mn-lt"/>
+                    <a:ea typeface="+mn-ea"/>
+                    <a:cs typeface="+mn-cs"/>
+                  </a:defRPr>
+                </a:lvl7pPr>
+                <a:lvl8pPr marL="3200400" algn="l" defTabSz="914400" rtl="0" eaLnBrk="1" latinLnBrk="0" hangingPunct="1">
+                  <a:defRPr sz="1800" kern="1200">
+                    <a:solidFill>
+                      <a:schemeClr val="tx1"/>
+                    </a:solidFill>
+                    <a:latin typeface="+mn-lt"/>
+                    <a:ea typeface="+mn-ea"/>
+                    <a:cs typeface="+mn-cs"/>
+                  </a:defRPr>
+                </a:lvl8pPr>
+                <a:lvl9pPr marL="3657600" algn="l" defTabSz="914400" rtl="0" eaLnBrk="1" latinLnBrk="0" hangingPunct="1">
+                  <a:defRPr sz="1800" kern="1200">
+                    <a:solidFill>
+                      <a:schemeClr val="tx1"/>
+                    </a:solidFill>
+                    <a:latin typeface="+mn-lt"/>
+                    <a:ea typeface="+mn-ea"/>
+                    <a:cs typeface="+mn-cs"/>
+                  </a:defRPr>
+                </a:lvl9pPr>
+              </a:lstStyle>
+              <a:p>
+                <a:pPr/>
+                <a14:m>
+                  <m:oMathPara xmlns:m="http://schemas.openxmlformats.org/officeDocument/2006/math">
+                    <m:oMathParaPr>
+                      <m:jc m:val="centerGroup"/>
+                    </m:oMathParaPr>
+                    <m:oMath xmlns:m="http://schemas.openxmlformats.org/officeDocument/2006/math">
+                      <m:sSub>
+                        <m:sSubPr>
+                          <m:ctrlPr>
+                            <a:rPr lang="en-US" i="1" smtClean="0">
+                              <a:latin typeface="Cambria Math" panose="02040503050406030204" pitchFamily="18" charset="0"/>
+                              <a:cs typeface="Times New Roman"/>
+                            </a:rPr>
+                          </m:ctrlPr>
+                        </m:sSubPr>
+                        <m:e>
+                          <m:r>
+                            <a:rPr lang="en-US" i="1">
+                              <a:latin typeface="Cambria Math" panose="02040503050406030204" pitchFamily="18" charset="0"/>
+                              <a:cs typeface="Times New Roman"/>
+                            </a:rPr>
+                            <m:t>𝑘</m:t>
+                          </m:r>
+                        </m:e>
+                        <m:sub>
+                          <m:r>
+                            <a:rPr lang="ru-RU" b="0" i="1" smtClean="0">
+                              <a:latin typeface="Cambria Math" panose="02040503050406030204" pitchFamily="18" charset="0"/>
+                              <a:cs typeface="Times New Roman"/>
+                            </a:rPr>
+                            <m:t>1</m:t>
+                          </m:r>
+                        </m:sub>
+                      </m:sSub>
+                    </m:oMath>
+                  </m:oMathPara>
+                </a14:m>
+                <a:endParaRPr lang="ru-RU" dirty="0"/>
+              </a:p>
+            </p:txBody>
+          </p:sp>
+        </mc:Choice>
+        <mc:Fallback>
+          <p:sp>
+            <p:nvSpPr>
+              <p:cNvPr id="11" name="TextBox 17">
+                <a:extLst>
+                  <a:ext uri="{FF2B5EF4-FFF2-40B4-BE49-F238E27FC236}">
+                    <a16:creationId xmlns:a16="http://schemas.microsoft.com/office/drawing/2014/main" id="{A8F099D6-F52D-DAD7-7802-9D77E0012D3F}"/>
+                  </a:ext>
+                </a:extLst>
+              </p:cNvPr>
+              <p:cNvSpPr txBox="1">
+                <a:spLocks noRot="1" noChangeAspect="1" noMove="1" noResize="1" noEditPoints="1" noAdjustHandles="1" noChangeArrowheads="1" noChangeShapeType="1" noTextEdit="1"/>
+              </p:cNvSpPr>
+              <p:nvPr/>
+            </p:nvSpPr>
+            <p:spPr>
+              <a:xfrm>
+                <a:off x="3974760" y="3295097"/>
+                <a:ext cx="340659" cy="369332"/>
+              </a:xfrm>
+              <a:prstGeom prst="rect">
+                <a:avLst/>
+              </a:prstGeom>
+              <a:blipFill>
+                <a:blip r:embed="rId5"/>
+                <a:stretch>
+                  <a:fillRect r="-7143"/>
+                </a:stretch>
+              </a:blipFill>
+            </p:spPr>
+            <p:txBody>
+              <a:bodyPr/>
+              <a:lstStyle/>
+              <a:p>
+                <a:r>
+                  <a:rPr lang="ru-RU">
+                    <a:noFill/>
+                  </a:rPr>
+                  <a:t> </a:t>
+                </a:r>
+              </a:p>
+            </p:txBody>
+          </p:sp>
+        </mc:Fallback>
+      </mc:AlternateContent>
+      <p:sp>
+        <p:nvSpPr>
+          <p:cNvPr id="12" name="Овал 11">
+            <a:extLst>
+              <a:ext uri="{FF2B5EF4-FFF2-40B4-BE49-F238E27FC236}">
+                <a16:creationId xmlns:a16="http://schemas.microsoft.com/office/drawing/2014/main" id="{CF5E42DC-9C14-4DFC-760C-555DBABDFA48}"/>
+              </a:ext>
+            </a:extLst>
+          </p:cNvPr>
+          <p:cNvSpPr/>
+          <p:nvPr/>
+        </p:nvSpPr>
+        <p:spPr>
+          <a:xfrm>
+            <a:off x="6499688" y="3215479"/>
+            <a:ext cx="1150684" cy="1132114"/>
+          </a:xfrm>
+          <a:prstGeom prst="ellipse">
+            <a:avLst/>
+          </a:prstGeom>
+          <a:solidFill>
+            <a:schemeClr val="accent1">
+              <a:lumMod val="20000"/>
+              <a:lumOff val="80000"/>
+            </a:schemeClr>
+          </a:solidFill>
+        </p:spPr>
+        <p:style>
+          <a:lnRef idx="2">
+            <a:schemeClr val="accent1">
+              <a:shade val="15000"/>
+            </a:schemeClr>
+          </a:lnRef>
+          <a:fillRef idx="1">
+            <a:schemeClr val="accent1"/>
+          </a:fillRef>
+          <a:effectRef idx="0">
+            <a:schemeClr val="accent1"/>
+          </a:effectRef>
+          <a:fontRef idx="minor">
+            <a:schemeClr val="lt1"/>
+          </a:fontRef>
+        </p:style>
+        <p:txBody>
+          <a:bodyPr rtlCol="0" anchor="ctr"/>
+          <a:lstStyle>
+            <a:defPPr>
+              <a:defRPr lang="ru-RU"/>
+            </a:defPPr>
+            <a:lvl1pPr marL="0" algn="l" defTabSz="914400" rtl="0" eaLnBrk="1" latinLnBrk="0" hangingPunct="1">
+              <a:defRPr sz="1800" kern="1200">
+                <a:solidFill>
+                  <a:schemeClr val="lt1"/>
+                </a:solidFill>
+                <a:latin typeface="+mn-lt"/>
+                <a:ea typeface="+mn-ea"/>
+                <a:cs typeface="+mn-cs"/>
+              </a:defRPr>
+            </a:lvl1pPr>
+            <a:lvl2pPr marL="457200" algn="l" defTabSz="914400" rtl="0" eaLnBrk="1" latinLnBrk="0" hangingPunct="1">
+              <a:defRPr sz="1800" kern="1200">
+                <a:solidFill>
+                  <a:schemeClr val="lt1"/>
+                </a:solidFill>
+                <a:latin typeface="+mn-lt"/>
+                <a:ea typeface="+mn-ea"/>
+                <a:cs typeface="+mn-cs"/>
+              </a:defRPr>
+            </a:lvl2pPr>
+            <a:lvl3pPr marL="914400" algn="l" defTabSz="914400" rtl="0" eaLnBrk="1" latinLnBrk="0" hangingPunct="1">
+              <a:defRPr sz="1800" kern="1200">
+                <a:solidFill>
+                  <a:schemeClr val="lt1"/>
+                </a:solidFill>
+                <a:latin typeface="+mn-lt"/>
+                <a:ea typeface="+mn-ea"/>
+                <a:cs typeface="+mn-cs"/>
+              </a:defRPr>
+            </a:lvl3pPr>
+            <a:lvl4pPr marL="1371600" algn="l" defTabSz="914400" rtl="0" eaLnBrk="1" latinLnBrk="0" hangingPunct="1">
+              <a:defRPr sz="1800" kern="1200">
+                <a:solidFill>
+                  <a:schemeClr val="lt1"/>
+                </a:solidFill>
+                <a:latin typeface="+mn-lt"/>
+                <a:ea typeface="+mn-ea"/>
+                <a:cs typeface="+mn-cs"/>
+              </a:defRPr>
+            </a:lvl4pPr>
+            <a:lvl5pPr marL="1828800" algn="l" defTabSz="914400" rtl="0" eaLnBrk="1" latinLnBrk="0" hangingPunct="1">
+              <a:defRPr sz="1800" kern="1200">
+                <a:solidFill>
+                  <a:schemeClr val="lt1"/>
+                </a:solidFill>
+                <a:latin typeface="+mn-lt"/>
+                <a:ea typeface="+mn-ea"/>
+                <a:cs typeface="+mn-cs"/>
+              </a:defRPr>
+            </a:lvl5pPr>
+            <a:lvl6pPr marL="2286000" algn="l" defTabSz="914400" rtl="0" eaLnBrk="1" latinLnBrk="0" hangingPunct="1">
+              <a:defRPr sz="1800" kern="1200">
+                <a:solidFill>
+                  <a:schemeClr val="lt1"/>
+                </a:solidFill>
+                <a:latin typeface="+mn-lt"/>
+                <a:ea typeface="+mn-ea"/>
+                <a:cs typeface="+mn-cs"/>
+              </a:defRPr>
+            </a:lvl6pPr>
+            <a:lvl7pPr marL="2743200" algn="l" defTabSz="914400" rtl="0" eaLnBrk="1" latinLnBrk="0" hangingPunct="1">
+              <a:defRPr sz="1800" kern="1200">
+                <a:solidFill>
+                  <a:schemeClr val="lt1"/>
+                </a:solidFill>
+                <a:latin typeface="+mn-lt"/>
+                <a:ea typeface="+mn-ea"/>
+                <a:cs typeface="+mn-cs"/>
+              </a:defRPr>
+            </a:lvl7pPr>
+            <a:lvl8pPr marL="3200400" algn="l" defTabSz="914400" rtl="0" eaLnBrk="1" latinLnBrk="0" hangingPunct="1">
+              <a:defRPr sz="1800" kern="1200">
+                <a:solidFill>
+                  <a:schemeClr val="lt1"/>
+                </a:solidFill>
+                <a:latin typeface="+mn-lt"/>
+                <a:ea typeface="+mn-ea"/>
+                <a:cs typeface="+mn-cs"/>
+              </a:defRPr>
+            </a:lvl8pPr>
+            <a:lvl9pPr marL="3657600" algn="l" defTabSz="914400" rtl="0" eaLnBrk="1" latinLnBrk="0" hangingPunct="1">
+              <a:defRPr sz="1800" kern="1200">
+                <a:solidFill>
+                  <a:schemeClr val="lt1"/>
+                </a:solidFill>
+                <a:latin typeface="+mn-lt"/>
+                <a:ea typeface="+mn-ea"/>
+                <a:cs typeface="+mn-cs"/>
+              </a:defRPr>
+            </a:lvl9pPr>
+          </a:lstStyle>
+          <a:p>
+            <a:pPr algn="ctr"/>
+            <a:endParaRPr lang="ru-RU"/>
+          </a:p>
+        </p:txBody>
+      </p:sp>
+      <p:cxnSp>
+        <p:nvCxnSpPr>
+          <p:cNvPr id="14" name="Прямая со стрелкой 13">
+            <a:extLst>
+              <a:ext uri="{FF2B5EF4-FFF2-40B4-BE49-F238E27FC236}">
+                <a16:creationId xmlns:a16="http://schemas.microsoft.com/office/drawing/2014/main" id="{671FE6BC-3437-FB0C-AD3E-5E8F8EDC497B}"/>
+              </a:ext>
+            </a:extLst>
+          </p:cNvPr>
+          <p:cNvCxnSpPr>
+            <a:cxnSpLocks/>
+          </p:cNvCxnSpPr>
+          <p:nvPr/>
+        </p:nvCxnSpPr>
+        <p:spPr>
+          <a:xfrm flipV="1">
+            <a:off x="5759458" y="3770652"/>
+            <a:ext cx="722298" cy="2"/>
+          </a:xfrm>
+          <a:prstGeom prst="straightConnector1">
+            <a:avLst/>
+          </a:prstGeom>
+          <a:ln>
+            <a:tailEnd type="triangle"/>
+          </a:ln>
+        </p:spPr>
+        <p:style>
+          <a:lnRef idx="3">
+            <a:schemeClr val="accent1"/>
+          </a:lnRef>
+          <a:fillRef idx="0">
+            <a:schemeClr val="accent1"/>
+          </a:fillRef>
+          <a:effectRef idx="2">
+            <a:schemeClr val="accent1"/>
+          </a:effectRef>
+          <a:fontRef idx="minor">
+            <a:schemeClr val="tx1"/>
+          </a:fontRef>
+        </p:style>
+      </p:cxnSp>
+      <p:sp>
+        <p:nvSpPr>
+          <p:cNvPr id="15" name="TextBox 20">
+            <a:extLst>
+              <a:ext uri="{FF2B5EF4-FFF2-40B4-BE49-F238E27FC236}">
+                <a16:creationId xmlns:a16="http://schemas.microsoft.com/office/drawing/2014/main" id="{CDA832DF-E05E-C139-BEFD-1988D7857B64}"/>
+              </a:ext>
+            </a:extLst>
+          </p:cNvPr>
+          <p:cNvSpPr txBox="1"/>
+          <p:nvPr/>
+        </p:nvSpPr>
+        <p:spPr>
+          <a:xfrm>
+            <a:off x="6785915" y="3400064"/>
+            <a:ext cx="471929" cy="646331"/>
+          </a:xfrm>
+          <a:prstGeom prst="rect">
+            <a:avLst/>
+          </a:prstGeom>
+          <a:noFill/>
+        </p:spPr>
+        <p:txBody>
+          <a:bodyPr rot="0" spcFirstLastPara="0" vert="horz" wrap="square" lIns="91440" tIns="45720" rIns="91440" bIns="45720" numCol="1" spcCol="0" rtlCol="0" fromWordArt="0" anchor="t" anchorCtr="0" forceAA="0" compatLnSpc="1">
+            <a:prstTxWarp prst="textNoShape">
+              <a:avLst/>
+            </a:prstTxWarp>
+            <a:spAutoFit/>
+          </a:bodyPr>
+          <a:lstStyle>
+            <a:defPPr>
+              <a:defRPr lang="ru-RU"/>
+            </a:defPPr>
+            <a:lvl1pPr marL="0" algn="l" defTabSz="914400" rtl="0" eaLnBrk="1" latinLnBrk="0" hangingPunct="1">
+              <a:defRPr sz="1800" kern="1200">
+                <a:solidFill>
+                  <a:schemeClr val="tx1"/>
+                </a:solidFill>
+                <a:latin typeface="+mn-lt"/>
+                <a:ea typeface="+mn-ea"/>
+                <a:cs typeface="+mn-cs"/>
+              </a:defRPr>
+            </a:lvl1pPr>
+            <a:lvl2pPr marL="457200" algn="l" defTabSz="914400" rtl="0" eaLnBrk="1" latinLnBrk="0" hangingPunct="1">
+              <a:defRPr sz="1800" kern="1200">
+                <a:solidFill>
+                  <a:schemeClr val="tx1"/>
+                </a:solidFill>
+                <a:latin typeface="+mn-lt"/>
+                <a:ea typeface="+mn-ea"/>
+                <a:cs typeface="+mn-cs"/>
+              </a:defRPr>
+            </a:lvl2pPr>
+            <a:lvl3pPr marL="914400" algn="l" defTabSz="914400" rtl="0" eaLnBrk="1" latinLnBrk="0" hangingPunct="1">
+              <a:defRPr sz="1800" kern="1200">
+                <a:solidFill>
+                  <a:schemeClr val="tx1"/>
+                </a:solidFill>
+                <a:latin typeface="+mn-lt"/>
+                <a:ea typeface="+mn-ea"/>
+                <a:cs typeface="+mn-cs"/>
+              </a:defRPr>
+            </a:lvl3pPr>
+            <a:lvl4pPr marL="1371600" algn="l" defTabSz="914400" rtl="0" eaLnBrk="1" latinLnBrk="0" hangingPunct="1">
+              <a:defRPr sz="1800" kern="1200">
+                <a:solidFill>
+                  <a:schemeClr val="tx1"/>
+                </a:solidFill>
+                <a:latin typeface="+mn-lt"/>
+                <a:ea typeface="+mn-ea"/>
+                <a:cs typeface="+mn-cs"/>
+              </a:defRPr>
+            </a:lvl4pPr>
+            <a:lvl5pPr marL="1828800" algn="l" defTabSz="914400" rtl="0" eaLnBrk="1" latinLnBrk="0" hangingPunct="1">
+              <a:defRPr sz="1800" kern="1200">
+                <a:solidFill>
+                  <a:schemeClr val="tx1"/>
+                </a:solidFill>
+                <a:latin typeface="+mn-lt"/>
+                <a:ea typeface="+mn-ea"/>
+                <a:cs typeface="+mn-cs"/>
+              </a:defRPr>
+            </a:lvl5pPr>
+            <a:lvl6pPr marL="2286000" algn="l" defTabSz="914400" rtl="0" eaLnBrk="1" latinLnBrk="0" hangingPunct="1">
+              <a:defRPr sz="1800" kern="1200">
+                <a:solidFill>
+                  <a:schemeClr val="tx1"/>
+                </a:solidFill>
+                <a:latin typeface="+mn-lt"/>
+                <a:ea typeface="+mn-ea"/>
+                <a:cs typeface="+mn-cs"/>
+              </a:defRPr>
+            </a:lvl6pPr>
+            <a:lvl7pPr marL="2743200" algn="l" defTabSz="914400" rtl="0" eaLnBrk="1" latinLnBrk="0" hangingPunct="1">
+              <a:defRPr sz="1800" kern="1200">
+                <a:solidFill>
+                  <a:schemeClr val="tx1"/>
+                </a:solidFill>
+                <a:latin typeface="+mn-lt"/>
+                <a:ea typeface="+mn-ea"/>
+                <a:cs typeface="+mn-cs"/>
+              </a:defRPr>
+            </a:lvl7pPr>
+            <a:lvl8pPr marL="3200400" algn="l" defTabSz="914400" rtl="0" eaLnBrk="1" latinLnBrk="0" hangingPunct="1">
+              <a:defRPr sz="1800" kern="1200">
+                <a:solidFill>
+                  <a:schemeClr val="tx1"/>
+                </a:solidFill>
+                <a:latin typeface="+mn-lt"/>
+                <a:ea typeface="+mn-ea"/>
+                <a:cs typeface="+mn-cs"/>
+              </a:defRPr>
+            </a:lvl8pPr>
+            <a:lvl9pPr marL="3657600" algn="l" defTabSz="914400" rtl="0" eaLnBrk="1" latinLnBrk="0" hangingPunct="1">
+              <a:defRPr sz="1800" kern="1200">
+                <a:solidFill>
+                  <a:schemeClr val="tx1"/>
+                </a:solidFill>
+                <a:latin typeface="+mn-lt"/>
+                <a:ea typeface="+mn-ea"/>
+                <a:cs typeface="+mn-cs"/>
+              </a:defRPr>
+            </a:lvl9pPr>
+          </a:lstStyle>
+          <a:p>
+            <a:pPr algn="l"/>
+            <a:r>
+              <a:rPr lang="en-US" sz="3600" dirty="0">
+                <a:latin typeface="Times New Roman"/>
+                <a:cs typeface="Times New Roman"/>
+              </a:rPr>
+              <a:t>…</a:t>
+            </a:r>
+            <a:endParaRPr lang="ru-RU" sz="3600" dirty="0">
+              <a:latin typeface="Times New Roman"/>
+              <a:cs typeface="Times New Roman"/>
+            </a:endParaRPr>
+          </a:p>
+        </p:txBody>
+      </p:sp>
+      <mc:AlternateContent xmlns:mc="http://schemas.openxmlformats.org/markup-compatibility/2006">
+        <mc:Choice xmlns:a14="http://schemas.microsoft.com/office/drawing/2010/main" Requires="a14">
+          <p:sp>
+            <p:nvSpPr>
+              <p:cNvPr id="16" name="TextBox 21">
+                <a:extLst>
+                  <a:ext uri="{FF2B5EF4-FFF2-40B4-BE49-F238E27FC236}">
+                    <a16:creationId xmlns:a16="http://schemas.microsoft.com/office/drawing/2014/main" id="{EABC2B63-F266-C819-F726-15DD02CA72AC}"/>
+                  </a:ext>
+                </a:extLst>
+              </p:cNvPr>
+              <p:cNvSpPr txBox="1"/>
+              <p:nvPr/>
+            </p:nvSpPr>
+            <p:spPr>
+              <a:xfrm>
+                <a:off x="5950277" y="3305396"/>
+                <a:ext cx="340659" cy="369332"/>
+              </a:xfrm>
+              <a:prstGeom prst="rect">
+                <a:avLst/>
+              </a:prstGeom>
+              <a:noFill/>
+            </p:spPr>
+            <p:txBody>
+              <a:bodyPr rot="0" spcFirstLastPara="0" vert="horz" wrap="square" lIns="91440" tIns="45720" rIns="91440" bIns="45720" numCol="1" spcCol="0" rtlCol="0" fromWordArt="0" anchor="t" anchorCtr="0" forceAA="0" compatLnSpc="1">
+                <a:prstTxWarp prst="textNoShape">
+                  <a:avLst/>
+                </a:prstTxWarp>
+                <a:spAutoFit/>
+              </a:bodyPr>
+              <a:lstStyle>
+                <a:defPPr>
+                  <a:defRPr lang="ru-RU"/>
+                </a:defPPr>
+                <a:lvl1pPr marL="0" algn="l" defTabSz="914400" rtl="0" eaLnBrk="1" latinLnBrk="0" hangingPunct="1">
+                  <a:defRPr sz="1800" kern="1200">
+                    <a:solidFill>
+                      <a:schemeClr val="tx1"/>
+                    </a:solidFill>
+                    <a:latin typeface="+mn-lt"/>
+                    <a:ea typeface="+mn-ea"/>
+                    <a:cs typeface="+mn-cs"/>
+                  </a:defRPr>
+                </a:lvl1pPr>
+                <a:lvl2pPr marL="457200" algn="l" defTabSz="914400" rtl="0" eaLnBrk="1" latinLnBrk="0" hangingPunct="1">
+                  <a:defRPr sz="1800" kern="1200">
+                    <a:solidFill>
+                      <a:schemeClr val="tx1"/>
+                    </a:solidFill>
+                    <a:latin typeface="+mn-lt"/>
+                    <a:ea typeface="+mn-ea"/>
+                    <a:cs typeface="+mn-cs"/>
+                  </a:defRPr>
+                </a:lvl2pPr>
+                <a:lvl3pPr marL="914400" algn="l" defTabSz="914400" rtl="0" eaLnBrk="1" latinLnBrk="0" hangingPunct="1">
+                  <a:defRPr sz="1800" kern="1200">
+                    <a:solidFill>
+                      <a:schemeClr val="tx1"/>
+                    </a:solidFill>
+                    <a:latin typeface="+mn-lt"/>
+                    <a:ea typeface="+mn-ea"/>
+                    <a:cs typeface="+mn-cs"/>
+                  </a:defRPr>
+                </a:lvl3pPr>
+                <a:lvl4pPr marL="1371600" algn="l" defTabSz="914400" rtl="0" eaLnBrk="1" latinLnBrk="0" hangingPunct="1">
+                  <a:defRPr sz="1800" kern="1200">
+                    <a:solidFill>
+                      <a:schemeClr val="tx1"/>
+                    </a:solidFill>
+                    <a:latin typeface="+mn-lt"/>
+                    <a:ea typeface="+mn-ea"/>
+                    <a:cs typeface="+mn-cs"/>
+                  </a:defRPr>
+                </a:lvl4pPr>
+                <a:lvl5pPr marL="1828800" algn="l" defTabSz="914400" rtl="0" eaLnBrk="1" latinLnBrk="0" hangingPunct="1">
+                  <a:defRPr sz="1800" kern="1200">
+                    <a:solidFill>
+                      <a:schemeClr val="tx1"/>
+                    </a:solidFill>
+                    <a:latin typeface="+mn-lt"/>
+                    <a:ea typeface="+mn-ea"/>
+                    <a:cs typeface="+mn-cs"/>
+                  </a:defRPr>
+                </a:lvl5pPr>
+                <a:lvl6pPr marL="2286000" algn="l" defTabSz="914400" rtl="0" eaLnBrk="1" latinLnBrk="0" hangingPunct="1">
+                  <a:defRPr sz="1800" kern="1200">
+                    <a:solidFill>
+                      <a:schemeClr val="tx1"/>
+                    </a:solidFill>
+                    <a:latin typeface="+mn-lt"/>
+                    <a:ea typeface="+mn-ea"/>
+                    <a:cs typeface="+mn-cs"/>
+                  </a:defRPr>
+                </a:lvl6pPr>
+                <a:lvl7pPr marL="2743200" algn="l" defTabSz="914400" rtl="0" eaLnBrk="1" latinLnBrk="0" hangingPunct="1">
+                  <a:defRPr sz="1800" kern="1200">
+                    <a:solidFill>
+                      <a:schemeClr val="tx1"/>
+                    </a:solidFill>
+                    <a:latin typeface="+mn-lt"/>
+                    <a:ea typeface="+mn-ea"/>
+                    <a:cs typeface="+mn-cs"/>
+                  </a:defRPr>
+                </a:lvl7pPr>
+                <a:lvl8pPr marL="3200400" algn="l" defTabSz="914400" rtl="0" eaLnBrk="1" latinLnBrk="0" hangingPunct="1">
+                  <a:defRPr sz="1800" kern="1200">
+                    <a:solidFill>
+                      <a:schemeClr val="tx1"/>
+                    </a:solidFill>
+                    <a:latin typeface="+mn-lt"/>
+                    <a:ea typeface="+mn-ea"/>
+                    <a:cs typeface="+mn-cs"/>
+                  </a:defRPr>
+                </a:lvl8pPr>
+                <a:lvl9pPr marL="3657600" algn="l" defTabSz="914400" rtl="0" eaLnBrk="1" latinLnBrk="0" hangingPunct="1">
+                  <a:defRPr sz="1800" kern="1200">
+                    <a:solidFill>
+                      <a:schemeClr val="tx1"/>
+                    </a:solidFill>
+                    <a:latin typeface="+mn-lt"/>
+                    <a:ea typeface="+mn-ea"/>
+                    <a:cs typeface="+mn-cs"/>
+                  </a:defRPr>
+                </a:lvl9pPr>
+              </a:lstStyle>
+              <a:p>
+                <a:pPr/>
+                <a14:m>
+                  <m:oMathPara xmlns:m="http://schemas.openxmlformats.org/officeDocument/2006/math">
+                    <m:oMathParaPr>
+                      <m:jc m:val="centerGroup"/>
+                    </m:oMathParaPr>
+                    <m:oMath xmlns:m="http://schemas.openxmlformats.org/officeDocument/2006/math">
+                      <m:sSub>
+                        <m:sSubPr>
+                          <m:ctrlPr>
+                            <a:rPr lang="en-US" i="1" smtClean="0">
+                              <a:latin typeface="Cambria Math" panose="02040503050406030204" pitchFamily="18" charset="0"/>
+                              <a:cs typeface="Times New Roman"/>
+                            </a:rPr>
+                          </m:ctrlPr>
+                        </m:sSubPr>
+                        <m:e>
+                          <m:r>
+                            <a:rPr lang="en-US" i="1">
+                              <a:latin typeface="Cambria Math" panose="02040503050406030204" pitchFamily="18" charset="0"/>
+                              <a:cs typeface="Times New Roman"/>
+                            </a:rPr>
+                            <m:t>𝑘</m:t>
+                          </m:r>
+                        </m:e>
+                        <m:sub>
+                          <m:r>
+                            <a:rPr lang="ru-RU" b="0" i="1" smtClean="0">
+                              <a:latin typeface="Cambria Math" panose="02040503050406030204" pitchFamily="18" charset="0"/>
+                              <a:cs typeface="Times New Roman"/>
+                            </a:rPr>
+                            <m:t>2</m:t>
+                          </m:r>
+                        </m:sub>
+                      </m:sSub>
+                    </m:oMath>
+                  </m:oMathPara>
+                </a14:m>
+                <a:endParaRPr lang="ru-RU" dirty="0"/>
+              </a:p>
+            </p:txBody>
+          </p:sp>
+        </mc:Choice>
+        <mc:Fallback>
+          <p:sp>
+            <p:nvSpPr>
+              <p:cNvPr id="16" name="TextBox 21">
+                <a:extLst>
+                  <a:ext uri="{FF2B5EF4-FFF2-40B4-BE49-F238E27FC236}">
+                    <a16:creationId xmlns:a16="http://schemas.microsoft.com/office/drawing/2014/main" id="{EABC2B63-F266-C819-F726-15DD02CA72AC}"/>
+                  </a:ext>
+                </a:extLst>
+              </p:cNvPr>
+              <p:cNvSpPr txBox="1">
+                <a:spLocks noRot="1" noChangeAspect="1" noMove="1" noResize="1" noEditPoints="1" noAdjustHandles="1" noChangeArrowheads="1" noChangeShapeType="1" noTextEdit="1"/>
+              </p:cNvSpPr>
+              <p:nvPr/>
+            </p:nvSpPr>
+            <p:spPr>
+              <a:xfrm>
+                <a:off x="5950277" y="3305396"/>
+                <a:ext cx="340659" cy="369332"/>
+              </a:xfrm>
+              <a:prstGeom prst="rect">
+                <a:avLst/>
+              </a:prstGeom>
+              <a:blipFill>
+                <a:blip r:embed="rId6"/>
+                <a:stretch>
+                  <a:fillRect r="-8929"/>
+                </a:stretch>
+              </a:blipFill>
+            </p:spPr>
+            <p:txBody>
+              <a:bodyPr/>
+              <a:lstStyle/>
+              <a:p>
+                <a:r>
+                  <a:rPr lang="ru-RU">
+                    <a:noFill/>
+                  </a:rPr>
+                  <a:t> </a:t>
+                </a:r>
+              </a:p>
+            </p:txBody>
+          </p:sp>
+        </mc:Fallback>
+      </mc:AlternateContent>
+      <mc:AlternateContent xmlns:mc="http://schemas.openxmlformats.org/markup-compatibility/2006">
+        <mc:Choice xmlns:a14="http://schemas.microsoft.com/office/drawing/2010/main" Requires="a14">
+          <p:sp>
+            <p:nvSpPr>
+              <p:cNvPr id="17" name="Прямоугольник 16">
+                <a:extLst>
+                  <a:ext uri="{FF2B5EF4-FFF2-40B4-BE49-F238E27FC236}">
+                    <a16:creationId xmlns:a16="http://schemas.microsoft.com/office/drawing/2014/main" id="{E67E5E08-C4AF-4497-7B1F-07BD5E54EF6E}"/>
+                  </a:ext>
+                </a:extLst>
+              </p:cNvPr>
+              <p:cNvSpPr/>
+              <p:nvPr/>
+            </p:nvSpPr>
+            <p:spPr>
+              <a:xfrm>
+                <a:off x="4919443" y="3461620"/>
+                <a:ext cx="608885" cy="584775"/>
+              </a:xfrm>
+              <a:prstGeom prst="rect">
+                <a:avLst/>
+              </a:prstGeom>
+            </p:spPr>
+            <p:txBody>
+              <a:bodyPr wrap="square">
+                <a:spAutoFit/>
+              </a:bodyPr>
+              <a:lstStyle>
+                <a:defPPr>
+                  <a:defRPr lang="ru-RU"/>
+                </a:defPPr>
+                <a:lvl1pPr marL="0" algn="l" defTabSz="914400" rtl="0" eaLnBrk="1" latinLnBrk="0" hangingPunct="1">
+                  <a:defRPr sz="1800" kern="1200">
+                    <a:solidFill>
+                      <a:schemeClr val="tx1"/>
+                    </a:solidFill>
+                    <a:latin typeface="+mn-lt"/>
+                    <a:ea typeface="+mn-ea"/>
+                    <a:cs typeface="+mn-cs"/>
+                  </a:defRPr>
+                </a:lvl1pPr>
+                <a:lvl2pPr marL="457200" algn="l" defTabSz="914400" rtl="0" eaLnBrk="1" latinLnBrk="0" hangingPunct="1">
+                  <a:defRPr sz="1800" kern="1200">
+                    <a:solidFill>
+                      <a:schemeClr val="tx1"/>
+                    </a:solidFill>
+                    <a:latin typeface="+mn-lt"/>
+                    <a:ea typeface="+mn-ea"/>
+                    <a:cs typeface="+mn-cs"/>
+                  </a:defRPr>
+                </a:lvl2pPr>
+                <a:lvl3pPr marL="914400" algn="l" defTabSz="914400" rtl="0" eaLnBrk="1" latinLnBrk="0" hangingPunct="1">
+                  <a:defRPr sz="1800" kern="1200">
+                    <a:solidFill>
+                      <a:schemeClr val="tx1"/>
+                    </a:solidFill>
+                    <a:latin typeface="+mn-lt"/>
+                    <a:ea typeface="+mn-ea"/>
+                    <a:cs typeface="+mn-cs"/>
+                  </a:defRPr>
+                </a:lvl3pPr>
+                <a:lvl4pPr marL="1371600" algn="l" defTabSz="914400" rtl="0" eaLnBrk="1" latinLnBrk="0" hangingPunct="1">
+                  <a:defRPr sz="1800" kern="1200">
+                    <a:solidFill>
+                      <a:schemeClr val="tx1"/>
+                    </a:solidFill>
+                    <a:latin typeface="+mn-lt"/>
+                    <a:ea typeface="+mn-ea"/>
+                    <a:cs typeface="+mn-cs"/>
+                  </a:defRPr>
+                </a:lvl4pPr>
+                <a:lvl5pPr marL="1828800" algn="l" defTabSz="914400" rtl="0" eaLnBrk="1" latinLnBrk="0" hangingPunct="1">
+                  <a:defRPr sz="1800" kern="1200">
+                    <a:solidFill>
+                      <a:schemeClr val="tx1"/>
+                    </a:solidFill>
+                    <a:latin typeface="+mn-lt"/>
+                    <a:ea typeface="+mn-ea"/>
+                    <a:cs typeface="+mn-cs"/>
+                  </a:defRPr>
+                </a:lvl5pPr>
+                <a:lvl6pPr marL="2286000" algn="l" defTabSz="914400" rtl="0" eaLnBrk="1" latinLnBrk="0" hangingPunct="1">
+                  <a:defRPr sz="1800" kern="1200">
+                    <a:solidFill>
+                      <a:schemeClr val="tx1"/>
+                    </a:solidFill>
+                    <a:latin typeface="+mn-lt"/>
+                    <a:ea typeface="+mn-ea"/>
+                    <a:cs typeface="+mn-cs"/>
+                  </a:defRPr>
+                </a:lvl6pPr>
+                <a:lvl7pPr marL="2743200" algn="l" defTabSz="914400" rtl="0" eaLnBrk="1" latinLnBrk="0" hangingPunct="1">
+                  <a:defRPr sz="1800" kern="1200">
+                    <a:solidFill>
+                      <a:schemeClr val="tx1"/>
+                    </a:solidFill>
+                    <a:latin typeface="+mn-lt"/>
+                    <a:ea typeface="+mn-ea"/>
+                    <a:cs typeface="+mn-cs"/>
+                  </a:defRPr>
+                </a:lvl7pPr>
+                <a:lvl8pPr marL="3200400" algn="l" defTabSz="914400" rtl="0" eaLnBrk="1" latinLnBrk="0" hangingPunct="1">
+                  <a:defRPr sz="1800" kern="1200">
+                    <a:solidFill>
+                      <a:schemeClr val="tx1"/>
+                    </a:solidFill>
+                    <a:latin typeface="+mn-lt"/>
+                    <a:ea typeface="+mn-ea"/>
+                    <a:cs typeface="+mn-cs"/>
+                  </a:defRPr>
+                </a:lvl8pPr>
+                <a:lvl9pPr marL="3657600" algn="l" defTabSz="914400" rtl="0" eaLnBrk="1" latinLnBrk="0" hangingPunct="1">
+                  <a:defRPr sz="1800" kern="1200">
+                    <a:solidFill>
+                      <a:schemeClr val="tx1"/>
+                    </a:solidFill>
+                    <a:latin typeface="+mn-lt"/>
+                    <a:ea typeface="+mn-ea"/>
+                    <a:cs typeface="+mn-cs"/>
+                  </a:defRPr>
+                </a:lvl9pPr>
+              </a:lstStyle>
+              <a:p>
+                <a:pPr/>
+                <a14:m>
+                  <m:oMathPara xmlns:m="http://schemas.openxmlformats.org/officeDocument/2006/math">
+                    <m:oMathParaPr>
+                      <m:jc m:val="centerGroup"/>
+                    </m:oMathParaPr>
+                    <m:oMath xmlns:m="http://schemas.openxmlformats.org/officeDocument/2006/math">
+                      <m:sSub>
+                        <m:sSubPr>
+                          <m:ctrlPr>
+                            <a:rPr lang="en-US" sz="3200" i="1" smtClean="0">
+                              <a:latin typeface="Cambria Math" panose="02040503050406030204" pitchFamily="18" charset="0"/>
+                              <a:cs typeface="Times New Roman"/>
+                            </a:rPr>
+                          </m:ctrlPr>
+                        </m:sSubPr>
+                        <m:e>
+                          <m:r>
+                            <a:rPr lang="en-US" sz="3200" i="1">
+                              <a:latin typeface="Cambria Math" panose="02040503050406030204" pitchFamily="18" charset="0"/>
+                              <a:cs typeface="Times New Roman"/>
+                            </a:rPr>
+                            <m:t>𝐼</m:t>
+                          </m:r>
+                        </m:e>
+                        <m:sub>
+                          <m:r>
+                            <a:rPr lang="en-US" sz="3200" b="0" i="1" smtClean="0">
+                              <a:latin typeface="Cambria Math" panose="02040503050406030204" pitchFamily="18" charset="0"/>
+                              <a:cs typeface="Times New Roman"/>
+                            </a:rPr>
+                            <m:t>2</m:t>
+                          </m:r>
+                        </m:sub>
+                      </m:sSub>
+                    </m:oMath>
+                  </m:oMathPara>
+                </a14:m>
+                <a:endParaRPr lang="ru-RU" sz="3200" dirty="0">
+                  <a:latin typeface="Times New Roman"/>
+                  <a:cs typeface="Times New Roman"/>
+                </a:endParaRPr>
+              </a:p>
+            </p:txBody>
+          </p:sp>
+        </mc:Choice>
+        <mc:Fallback>
+          <p:sp>
+            <p:nvSpPr>
+              <p:cNvPr id="17" name="Прямоугольник 16">
+                <a:extLst>
+                  <a:ext uri="{FF2B5EF4-FFF2-40B4-BE49-F238E27FC236}">
+                    <a16:creationId xmlns:a16="http://schemas.microsoft.com/office/drawing/2014/main" id="{E67E5E08-C4AF-4497-7B1F-07BD5E54EF6E}"/>
+                  </a:ext>
+                </a:extLst>
+              </p:cNvPr>
+              <p:cNvSpPr>
+                <a:spLocks noRot="1" noChangeAspect="1" noMove="1" noResize="1" noEditPoints="1" noAdjustHandles="1" noChangeArrowheads="1" noChangeShapeType="1" noTextEdit="1"/>
+              </p:cNvSpPr>
+              <p:nvPr/>
+            </p:nvSpPr>
+            <p:spPr>
+              <a:xfrm>
+                <a:off x="4919443" y="3461620"/>
+                <a:ext cx="608885" cy="584775"/>
+              </a:xfrm>
+              <a:prstGeom prst="rect">
+                <a:avLst/>
+              </a:prstGeom>
+              <a:blipFill>
+                <a:blip r:embed="rId7"/>
+                <a:stretch>
+                  <a:fillRect/>
+                </a:stretch>
+              </a:blipFill>
+            </p:spPr>
+            <p:txBody>
+              <a:bodyPr/>
+              <a:lstStyle/>
+              <a:p>
+                <a:r>
+                  <a:rPr lang="ru-RU">
+                    <a:noFill/>
+                  </a:rPr>
+                  <a:t> </a:t>
+                </a:r>
+              </a:p>
+            </p:txBody>
+          </p:sp>
+        </mc:Fallback>
+      </mc:AlternateContent>
+      <p:sp>
+        <p:nvSpPr>
+          <p:cNvPr id="18" name="Овал 17">
+            <a:extLst>
+              <a:ext uri="{FF2B5EF4-FFF2-40B4-BE49-F238E27FC236}">
+                <a16:creationId xmlns:a16="http://schemas.microsoft.com/office/drawing/2014/main" id="{34F8FF7E-E46B-BF90-9B5C-C1A714DC39FA}"/>
+              </a:ext>
+            </a:extLst>
+          </p:cNvPr>
+          <p:cNvSpPr/>
+          <p:nvPr/>
+        </p:nvSpPr>
+        <p:spPr>
+          <a:xfrm>
+            <a:off x="8396900" y="3204595"/>
+            <a:ext cx="1150684" cy="1132114"/>
+          </a:xfrm>
+          <a:prstGeom prst="ellipse">
+            <a:avLst/>
+          </a:prstGeom>
+          <a:solidFill>
+            <a:schemeClr val="accent1">
+              <a:lumMod val="20000"/>
+              <a:lumOff val="80000"/>
+            </a:schemeClr>
+          </a:solidFill>
+        </p:spPr>
+        <p:style>
+          <a:lnRef idx="2">
+            <a:schemeClr val="accent1">
+              <a:shade val="15000"/>
+            </a:schemeClr>
+          </a:lnRef>
+          <a:fillRef idx="1">
+            <a:schemeClr val="accent1"/>
+          </a:fillRef>
+          <a:effectRef idx="0">
+            <a:schemeClr val="accent1"/>
+          </a:effectRef>
+          <a:fontRef idx="minor">
+            <a:schemeClr val="lt1"/>
+          </a:fontRef>
+        </p:style>
+        <p:txBody>
+          <a:bodyPr rtlCol="0" anchor="ctr"/>
+          <a:lstStyle>
+            <a:defPPr>
+              <a:defRPr lang="ru-RU"/>
+            </a:defPPr>
+            <a:lvl1pPr marL="0" algn="l" defTabSz="914400" rtl="0" eaLnBrk="1" latinLnBrk="0" hangingPunct="1">
+              <a:defRPr sz="1800" kern="1200">
+                <a:solidFill>
+                  <a:schemeClr val="lt1"/>
+                </a:solidFill>
+                <a:latin typeface="+mn-lt"/>
+                <a:ea typeface="+mn-ea"/>
+                <a:cs typeface="+mn-cs"/>
+              </a:defRPr>
+            </a:lvl1pPr>
+            <a:lvl2pPr marL="457200" algn="l" defTabSz="914400" rtl="0" eaLnBrk="1" latinLnBrk="0" hangingPunct="1">
+              <a:defRPr sz="1800" kern="1200">
+                <a:solidFill>
+                  <a:schemeClr val="lt1"/>
+                </a:solidFill>
+                <a:latin typeface="+mn-lt"/>
+                <a:ea typeface="+mn-ea"/>
+                <a:cs typeface="+mn-cs"/>
+              </a:defRPr>
+            </a:lvl2pPr>
+            <a:lvl3pPr marL="914400" algn="l" defTabSz="914400" rtl="0" eaLnBrk="1" latinLnBrk="0" hangingPunct="1">
+              <a:defRPr sz="1800" kern="1200">
+                <a:solidFill>
+                  <a:schemeClr val="lt1"/>
+                </a:solidFill>
+                <a:latin typeface="+mn-lt"/>
+                <a:ea typeface="+mn-ea"/>
+                <a:cs typeface="+mn-cs"/>
+              </a:defRPr>
+            </a:lvl3pPr>
+            <a:lvl4pPr marL="1371600" algn="l" defTabSz="914400" rtl="0" eaLnBrk="1" latinLnBrk="0" hangingPunct="1">
+              <a:defRPr sz="1800" kern="1200">
+                <a:solidFill>
+                  <a:schemeClr val="lt1"/>
+                </a:solidFill>
+                <a:latin typeface="+mn-lt"/>
+                <a:ea typeface="+mn-ea"/>
+                <a:cs typeface="+mn-cs"/>
+              </a:defRPr>
+            </a:lvl4pPr>
+            <a:lvl5pPr marL="1828800" algn="l" defTabSz="914400" rtl="0" eaLnBrk="1" latinLnBrk="0" hangingPunct="1">
+              <a:defRPr sz="1800" kern="1200">
+                <a:solidFill>
+                  <a:schemeClr val="lt1"/>
+                </a:solidFill>
+                <a:latin typeface="+mn-lt"/>
+                <a:ea typeface="+mn-ea"/>
+                <a:cs typeface="+mn-cs"/>
+              </a:defRPr>
+            </a:lvl5pPr>
+            <a:lvl6pPr marL="2286000" algn="l" defTabSz="914400" rtl="0" eaLnBrk="1" latinLnBrk="0" hangingPunct="1">
+              <a:defRPr sz="1800" kern="1200">
+                <a:solidFill>
+                  <a:schemeClr val="lt1"/>
+                </a:solidFill>
+                <a:latin typeface="+mn-lt"/>
+                <a:ea typeface="+mn-ea"/>
+                <a:cs typeface="+mn-cs"/>
+              </a:defRPr>
+            </a:lvl6pPr>
+            <a:lvl7pPr marL="2743200" algn="l" defTabSz="914400" rtl="0" eaLnBrk="1" latinLnBrk="0" hangingPunct="1">
+              <a:defRPr sz="1800" kern="1200">
+                <a:solidFill>
+                  <a:schemeClr val="lt1"/>
+                </a:solidFill>
+                <a:latin typeface="+mn-lt"/>
+                <a:ea typeface="+mn-ea"/>
+                <a:cs typeface="+mn-cs"/>
+              </a:defRPr>
+            </a:lvl7pPr>
+            <a:lvl8pPr marL="3200400" algn="l" defTabSz="914400" rtl="0" eaLnBrk="1" latinLnBrk="0" hangingPunct="1">
+              <a:defRPr sz="1800" kern="1200">
+                <a:solidFill>
+                  <a:schemeClr val="lt1"/>
+                </a:solidFill>
+                <a:latin typeface="+mn-lt"/>
+                <a:ea typeface="+mn-ea"/>
+                <a:cs typeface="+mn-cs"/>
+              </a:defRPr>
+            </a:lvl8pPr>
+            <a:lvl9pPr marL="3657600" algn="l" defTabSz="914400" rtl="0" eaLnBrk="1" latinLnBrk="0" hangingPunct="1">
+              <a:defRPr sz="1800" kern="1200">
+                <a:solidFill>
+                  <a:schemeClr val="lt1"/>
+                </a:solidFill>
+                <a:latin typeface="+mn-lt"/>
+                <a:ea typeface="+mn-ea"/>
+                <a:cs typeface="+mn-cs"/>
+              </a:defRPr>
+            </a:lvl9pPr>
+          </a:lstStyle>
+          <a:p>
+            <a:pPr algn="ctr"/>
+            <a:endParaRPr lang="ru-RU"/>
+          </a:p>
+        </p:txBody>
+      </p:sp>
+      <p:cxnSp>
+        <p:nvCxnSpPr>
+          <p:cNvPr id="19" name="Прямая со стрелкой 18">
+            <a:extLst>
+              <a:ext uri="{FF2B5EF4-FFF2-40B4-BE49-F238E27FC236}">
+                <a16:creationId xmlns:a16="http://schemas.microsoft.com/office/drawing/2014/main" id="{86D8CE43-7EE3-7ACF-C30B-0ED1C5F44EB0}"/>
+              </a:ext>
+            </a:extLst>
+          </p:cNvPr>
+          <p:cNvCxnSpPr>
+            <a:cxnSpLocks/>
+          </p:cNvCxnSpPr>
+          <p:nvPr/>
+        </p:nvCxnSpPr>
+        <p:spPr>
+          <a:xfrm flipV="1">
+            <a:off x="7656670" y="3759768"/>
+            <a:ext cx="722298" cy="2"/>
+          </a:xfrm>
+          <a:prstGeom prst="straightConnector1">
+            <a:avLst/>
+          </a:prstGeom>
+          <a:ln>
+            <a:tailEnd type="triangle"/>
+          </a:ln>
+        </p:spPr>
+        <p:style>
+          <a:lnRef idx="3">
+            <a:schemeClr val="accent1"/>
+          </a:lnRef>
+          <a:fillRef idx="0">
+            <a:schemeClr val="accent1"/>
+          </a:fillRef>
+          <a:effectRef idx="2">
+            <a:schemeClr val="accent1"/>
+          </a:effectRef>
+          <a:fontRef idx="minor">
+            <a:schemeClr val="tx1"/>
+          </a:fontRef>
+        </p:style>
+      </p:cxnSp>
+      <mc:AlternateContent xmlns:mc="http://schemas.openxmlformats.org/markup-compatibility/2006">
+        <mc:Choice xmlns:a14="http://schemas.microsoft.com/office/drawing/2010/main" Requires="a14">
+          <p:sp>
+            <p:nvSpPr>
+              <p:cNvPr id="20" name="TextBox 31">
+                <a:extLst>
+                  <a:ext uri="{FF2B5EF4-FFF2-40B4-BE49-F238E27FC236}">
+                    <a16:creationId xmlns:a16="http://schemas.microsoft.com/office/drawing/2014/main" id="{A8F099D6-F52D-DAD7-7802-9D77E0012D3F}"/>
+                  </a:ext>
+                </a:extLst>
+              </p:cNvPr>
+              <p:cNvSpPr txBox="1"/>
+              <p:nvPr/>
+            </p:nvSpPr>
+            <p:spPr>
+              <a:xfrm>
+                <a:off x="7776413" y="3266070"/>
+                <a:ext cx="340659" cy="369332"/>
+              </a:xfrm>
+              <a:prstGeom prst="rect">
+                <a:avLst/>
+              </a:prstGeom>
+              <a:noFill/>
+            </p:spPr>
+            <p:txBody>
+              <a:bodyPr rot="0" spcFirstLastPara="0" vert="horz" wrap="square" lIns="91440" tIns="45720" rIns="91440" bIns="45720" numCol="1" spcCol="0" rtlCol="0" fromWordArt="0" anchor="t" anchorCtr="0" forceAA="0" compatLnSpc="1">
+                <a:prstTxWarp prst="textNoShape">
+                  <a:avLst/>
+                </a:prstTxWarp>
+                <a:spAutoFit/>
+              </a:bodyPr>
+              <a:lstStyle>
+                <a:defPPr>
+                  <a:defRPr lang="ru-RU"/>
+                </a:defPPr>
+                <a:lvl1pPr marL="0" algn="l" defTabSz="914400" rtl="0" eaLnBrk="1" latinLnBrk="0" hangingPunct="1">
+                  <a:defRPr sz="1800" kern="1200">
+                    <a:solidFill>
+                      <a:schemeClr val="tx1"/>
+                    </a:solidFill>
+                    <a:latin typeface="+mn-lt"/>
+                    <a:ea typeface="+mn-ea"/>
+                    <a:cs typeface="+mn-cs"/>
+                  </a:defRPr>
+                </a:lvl1pPr>
+                <a:lvl2pPr marL="457200" algn="l" defTabSz="914400" rtl="0" eaLnBrk="1" latinLnBrk="0" hangingPunct="1">
+                  <a:defRPr sz="1800" kern="1200">
+                    <a:solidFill>
+                      <a:schemeClr val="tx1"/>
+                    </a:solidFill>
+                    <a:latin typeface="+mn-lt"/>
+                    <a:ea typeface="+mn-ea"/>
+                    <a:cs typeface="+mn-cs"/>
+                  </a:defRPr>
+                </a:lvl2pPr>
+                <a:lvl3pPr marL="914400" algn="l" defTabSz="914400" rtl="0" eaLnBrk="1" latinLnBrk="0" hangingPunct="1">
+                  <a:defRPr sz="1800" kern="1200">
+                    <a:solidFill>
+                      <a:schemeClr val="tx1"/>
+                    </a:solidFill>
+                    <a:latin typeface="+mn-lt"/>
+                    <a:ea typeface="+mn-ea"/>
+                    <a:cs typeface="+mn-cs"/>
+                  </a:defRPr>
+                </a:lvl3pPr>
+                <a:lvl4pPr marL="1371600" algn="l" defTabSz="914400" rtl="0" eaLnBrk="1" latinLnBrk="0" hangingPunct="1">
+                  <a:defRPr sz="1800" kern="1200">
+                    <a:solidFill>
+                      <a:schemeClr val="tx1"/>
+                    </a:solidFill>
+                    <a:latin typeface="+mn-lt"/>
+                    <a:ea typeface="+mn-ea"/>
+                    <a:cs typeface="+mn-cs"/>
+                  </a:defRPr>
+                </a:lvl4pPr>
+                <a:lvl5pPr marL="1828800" algn="l" defTabSz="914400" rtl="0" eaLnBrk="1" latinLnBrk="0" hangingPunct="1">
+                  <a:defRPr sz="1800" kern="1200">
+                    <a:solidFill>
+                      <a:schemeClr val="tx1"/>
+                    </a:solidFill>
+                    <a:latin typeface="+mn-lt"/>
+                    <a:ea typeface="+mn-ea"/>
+                    <a:cs typeface="+mn-cs"/>
+                  </a:defRPr>
+                </a:lvl5pPr>
+                <a:lvl6pPr marL="2286000" algn="l" defTabSz="914400" rtl="0" eaLnBrk="1" latinLnBrk="0" hangingPunct="1">
+                  <a:defRPr sz="1800" kern="1200">
+                    <a:solidFill>
+                      <a:schemeClr val="tx1"/>
+                    </a:solidFill>
+                    <a:latin typeface="+mn-lt"/>
+                    <a:ea typeface="+mn-ea"/>
+                    <a:cs typeface="+mn-cs"/>
+                  </a:defRPr>
+                </a:lvl6pPr>
+                <a:lvl7pPr marL="2743200" algn="l" defTabSz="914400" rtl="0" eaLnBrk="1" latinLnBrk="0" hangingPunct="1">
+                  <a:defRPr sz="1800" kern="1200">
+                    <a:solidFill>
+                      <a:schemeClr val="tx1"/>
+                    </a:solidFill>
+                    <a:latin typeface="+mn-lt"/>
+                    <a:ea typeface="+mn-ea"/>
+                    <a:cs typeface="+mn-cs"/>
+                  </a:defRPr>
+                </a:lvl7pPr>
+                <a:lvl8pPr marL="3200400" algn="l" defTabSz="914400" rtl="0" eaLnBrk="1" latinLnBrk="0" hangingPunct="1">
+                  <a:defRPr sz="1800" kern="1200">
+                    <a:solidFill>
+                      <a:schemeClr val="tx1"/>
+                    </a:solidFill>
+                    <a:latin typeface="+mn-lt"/>
+                    <a:ea typeface="+mn-ea"/>
+                    <a:cs typeface="+mn-cs"/>
+                  </a:defRPr>
+                </a:lvl8pPr>
+                <a:lvl9pPr marL="3657600" algn="l" defTabSz="914400" rtl="0" eaLnBrk="1" latinLnBrk="0" hangingPunct="1">
+                  <a:defRPr sz="1800" kern="1200">
+                    <a:solidFill>
+                      <a:schemeClr val="tx1"/>
+                    </a:solidFill>
+                    <a:latin typeface="+mn-lt"/>
+                    <a:ea typeface="+mn-ea"/>
+                    <a:cs typeface="+mn-cs"/>
+                  </a:defRPr>
+                </a:lvl9pPr>
+              </a:lstStyle>
+              <a:p>
+                <a:pPr/>
+                <a14:m>
+                  <m:oMathPara xmlns:m="http://schemas.openxmlformats.org/officeDocument/2006/math">
+                    <m:oMathParaPr>
+                      <m:jc m:val="centerGroup"/>
+                    </m:oMathParaPr>
+                    <m:oMath xmlns:m="http://schemas.openxmlformats.org/officeDocument/2006/math">
+                      <m:sSub>
+                        <m:sSubPr>
+                          <m:ctrlPr>
+                            <a:rPr lang="en-US" i="1" smtClean="0">
+                              <a:latin typeface="Cambria Math" panose="02040503050406030204" pitchFamily="18" charset="0"/>
+                              <a:cs typeface="Times New Roman"/>
+                            </a:rPr>
+                          </m:ctrlPr>
+                        </m:sSubPr>
+                        <m:e>
+                          <m:r>
+                            <a:rPr lang="en-US" i="1">
+                              <a:latin typeface="Cambria Math" panose="02040503050406030204" pitchFamily="18" charset="0"/>
+                              <a:cs typeface="Times New Roman"/>
+                            </a:rPr>
+                            <m:t>𝑘</m:t>
+                          </m:r>
+                        </m:e>
+                        <m:sub>
+                          <m:r>
+                            <a:rPr lang="ru-RU" b="0" i="1" smtClean="0">
+                              <a:latin typeface="Cambria Math" panose="02040503050406030204" pitchFamily="18" charset="0"/>
+                              <a:cs typeface="Times New Roman"/>
+                            </a:rPr>
+                            <m:t>…</m:t>
+                          </m:r>
+                        </m:sub>
+                      </m:sSub>
+                    </m:oMath>
+                  </m:oMathPara>
+                </a14:m>
+                <a:endParaRPr lang="ru-RU" dirty="0"/>
+              </a:p>
+            </p:txBody>
+          </p:sp>
+        </mc:Choice>
+        <mc:Fallback>
+          <p:sp>
+            <p:nvSpPr>
+              <p:cNvPr id="20" name="TextBox 31">
+                <a:extLst>
+                  <a:ext uri="{FF2B5EF4-FFF2-40B4-BE49-F238E27FC236}">
+                    <a16:creationId xmlns:a16="http://schemas.microsoft.com/office/drawing/2014/main" id="{A8F099D6-F52D-DAD7-7802-9D77E0012D3F}"/>
+                  </a:ext>
+                </a:extLst>
+              </p:cNvPr>
+              <p:cNvSpPr txBox="1">
+                <a:spLocks noRot="1" noChangeAspect="1" noMove="1" noResize="1" noEditPoints="1" noAdjustHandles="1" noChangeArrowheads="1" noChangeShapeType="1" noTextEdit="1"/>
+              </p:cNvSpPr>
+              <p:nvPr/>
+            </p:nvSpPr>
+            <p:spPr>
+              <a:xfrm>
+                <a:off x="7776413" y="3266070"/>
+                <a:ext cx="340659" cy="369332"/>
+              </a:xfrm>
+              <a:prstGeom prst="rect">
+                <a:avLst/>
+              </a:prstGeom>
+              <a:blipFill>
+                <a:blip r:embed="rId8"/>
+                <a:stretch>
+                  <a:fillRect r="-3571"/>
+                </a:stretch>
+              </a:blipFill>
+            </p:spPr>
+            <p:txBody>
+              <a:bodyPr/>
+              <a:lstStyle/>
+              <a:p>
+                <a:r>
+                  <a:rPr lang="ru-RU">
+                    <a:noFill/>
+                  </a:rPr>
+                  <a:t> </a:t>
+                </a:r>
+              </a:p>
+            </p:txBody>
+          </p:sp>
+        </mc:Fallback>
+      </mc:AlternateContent>
+      <mc:AlternateContent xmlns:mc="http://schemas.openxmlformats.org/markup-compatibility/2006">
+        <mc:Choice xmlns:a14="http://schemas.microsoft.com/office/drawing/2010/main" Requires="a14">
+          <p:sp>
+            <p:nvSpPr>
+              <p:cNvPr id="21" name="Прямоугольник 20">
+                <a:extLst>
+                  <a:ext uri="{FF2B5EF4-FFF2-40B4-BE49-F238E27FC236}">
+                    <a16:creationId xmlns:a16="http://schemas.microsoft.com/office/drawing/2014/main" id="{310972BB-5791-F7E4-5336-5812D07E4AA5}"/>
+                  </a:ext>
+                </a:extLst>
+              </p:cNvPr>
+              <p:cNvSpPr/>
+              <p:nvPr/>
+            </p:nvSpPr>
+            <p:spPr>
+              <a:xfrm>
+                <a:off x="8742852" y="3439326"/>
+                <a:ext cx="634853" cy="584775"/>
+              </a:xfrm>
+              <a:prstGeom prst="rect">
+                <a:avLst/>
+              </a:prstGeom>
+            </p:spPr>
+            <p:txBody>
+              <a:bodyPr wrap="square">
+                <a:spAutoFit/>
+              </a:bodyPr>
+              <a:lstStyle>
+                <a:defPPr>
+                  <a:defRPr lang="ru-RU"/>
+                </a:defPPr>
+                <a:lvl1pPr marL="0" algn="l" defTabSz="914400" rtl="0" eaLnBrk="1" latinLnBrk="0" hangingPunct="1">
+                  <a:defRPr sz="1800" kern="1200">
+                    <a:solidFill>
+                      <a:schemeClr val="tx1"/>
+                    </a:solidFill>
+                    <a:latin typeface="+mn-lt"/>
+                    <a:ea typeface="+mn-ea"/>
+                    <a:cs typeface="+mn-cs"/>
+                  </a:defRPr>
+                </a:lvl1pPr>
+                <a:lvl2pPr marL="457200" algn="l" defTabSz="914400" rtl="0" eaLnBrk="1" latinLnBrk="0" hangingPunct="1">
+                  <a:defRPr sz="1800" kern="1200">
+                    <a:solidFill>
+                      <a:schemeClr val="tx1"/>
+                    </a:solidFill>
+                    <a:latin typeface="+mn-lt"/>
+                    <a:ea typeface="+mn-ea"/>
+                    <a:cs typeface="+mn-cs"/>
+                  </a:defRPr>
+                </a:lvl2pPr>
+                <a:lvl3pPr marL="914400" algn="l" defTabSz="914400" rtl="0" eaLnBrk="1" latinLnBrk="0" hangingPunct="1">
+                  <a:defRPr sz="1800" kern="1200">
+                    <a:solidFill>
+                      <a:schemeClr val="tx1"/>
+                    </a:solidFill>
+                    <a:latin typeface="+mn-lt"/>
+                    <a:ea typeface="+mn-ea"/>
+                    <a:cs typeface="+mn-cs"/>
+                  </a:defRPr>
+                </a:lvl3pPr>
+                <a:lvl4pPr marL="1371600" algn="l" defTabSz="914400" rtl="0" eaLnBrk="1" latinLnBrk="0" hangingPunct="1">
+                  <a:defRPr sz="1800" kern="1200">
+                    <a:solidFill>
+                      <a:schemeClr val="tx1"/>
+                    </a:solidFill>
+                    <a:latin typeface="+mn-lt"/>
+                    <a:ea typeface="+mn-ea"/>
+                    <a:cs typeface="+mn-cs"/>
+                  </a:defRPr>
+                </a:lvl4pPr>
+                <a:lvl5pPr marL="1828800" algn="l" defTabSz="914400" rtl="0" eaLnBrk="1" latinLnBrk="0" hangingPunct="1">
+                  <a:defRPr sz="1800" kern="1200">
+                    <a:solidFill>
+                      <a:schemeClr val="tx1"/>
+                    </a:solidFill>
+                    <a:latin typeface="+mn-lt"/>
+                    <a:ea typeface="+mn-ea"/>
+                    <a:cs typeface="+mn-cs"/>
+                  </a:defRPr>
+                </a:lvl5pPr>
+                <a:lvl6pPr marL="2286000" algn="l" defTabSz="914400" rtl="0" eaLnBrk="1" latinLnBrk="0" hangingPunct="1">
+                  <a:defRPr sz="1800" kern="1200">
+                    <a:solidFill>
+                      <a:schemeClr val="tx1"/>
+                    </a:solidFill>
+                    <a:latin typeface="+mn-lt"/>
+                    <a:ea typeface="+mn-ea"/>
+                    <a:cs typeface="+mn-cs"/>
+                  </a:defRPr>
+                </a:lvl6pPr>
+                <a:lvl7pPr marL="2743200" algn="l" defTabSz="914400" rtl="0" eaLnBrk="1" latinLnBrk="0" hangingPunct="1">
+                  <a:defRPr sz="1800" kern="1200">
+                    <a:solidFill>
+                      <a:schemeClr val="tx1"/>
+                    </a:solidFill>
+                    <a:latin typeface="+mn-lt"/>
+                    <a:ea typeface="+mn-ea"/>
+                    <a:cs typeface="+mn-cs"/>
+                  </a:defRPr>
+                </a:lvl7pPr>
+                <a:lvl8pPr marL="3200400" algn="l" defTabSz="914400" rtl="0" eaLnBrk="1" latinLnBrk="0" hangingPunct="1">
+                  <a:defRPr sz="1800" kern="1200">
+                    <a:solidFill>
+                      <a:schemeClr val="tx1"/>
+                    </a:solidFill>
+                    <a:latin typeface="+mn-lt"/>
+                    <a:ea typeface="+mn-ea"/>
+                    <a:cs typeface="+mn-cs"/>
+                  </a:defRPr>
+                </a:lvl8pPr>
+                <a:lvl9pPr marL="3657600" algn="l" defTabSz="914400" rtl="0" eaLnBrk="1" latinLnBrk="0" hangingPunct="1">
+                  <a:defRPr sz="1800" kern="1200">
+                    <a:solidFill>
+                      <a:schemeClr val="tx1"/>
+                    </a:solidFill>
+                    <a:latin typeface="+mn-lt"/>
+                    <a:ea typeface="+mn-ea"/>
+                    <a:cs typeface="+mn-cs"/>
+                  </a:defRPr>
+                </a:lvl9pPr>
+              </a:lstStyle>
+              <a:p>
+                <a:pPr/>
+                <a14:m>
+                  <m:oMathPara xmlns:m="http://schemas.openxmlformats.org/officeDocument/2006/math">
+                    <m:oMathParaPr>
+                      <m:jc m:val="centerGroup"/>
+                    </m:oMathParaPr>
+                    <m:oMath xmlns:m="http://schemas.openxmlformats.org/officeDocument/2006/math">
+                      <m:sSub>
+                        <m:sSubPr>
+                          <m:ctrlPr>
+                            <a:rPr lang="en-US" sz="3200" i="1" smtClean="0">
+                              <a:latin typeface="Cambria Math" panose="02040503050406030204" pitchFamily="18" charset="0"/>
+                              <a:cs typeface="Times New Roman"/>
+                            </a:rPr>
+                          </m:ctrlPr>
+                        </m:sSubPr>
+                        <m:e>
+                          <m:r>
+                            <a:rPr lang="en-US" sz="3200" i="1">
+                              <a:latin typeface="Cambria Math" panose="02040503050406030204" pitchFamily="18" charset="0"/>
+                              <a:cs typeface="Times New Roman"/>
+                            </a:rPr>
+                            <m:t>𝐼</m:t>
+                          </m:r>
+                        </m:e>
+                        <m:sub>
+                          <m:r>
+                            <a:rPr lang="en-US" sz="3200" b="0" i="1" smtClean="0">
+                              <a:latin typeface="Cambria Math" panose="02040503050406030204" pitchFamily="18" charset="0"/>
+                              <a:cs typeface="Times New Roman"/>
+                            </a:rPr>
+                            <m:t>𝑛</m:t>
+                          </m:r>
+                        </m:sub>
+                      </m:sSub>
+                    </m:oMath>
+                  </m:oMathPara>
+                </a14:m>
+                <a:endParaRPr lang="ru-RU" sz="3200" dirty="0">
+                  <a:latin typeface="Times New Roman"/>
+                  <a:cs typeface="Times New Roman"/>
+                </a:endParaRPr>
+              </a:p>
+            </p:txBody>
+          </p:sp>
+        </mc:Choice>
+        <mc:Fallback>
+          <p:sp>
+            <p:nvSpPr>
+              <p:cNvPr id="21" name="Прямоугольник 20">
+                <a:extLst>
+                  <a:ext uri="{FF2B5EF4-FFF2-40B4-BE49-F238E27FC236}">
+                    <a16:creationId xmlns:a16="http://schemas.microsoft.com/office/drawing/2014/main" id="{310972BB-5791-F7E4-5336-5812D07E4AA5}"/>
+                  </a:ext>
+                </a:extLst>
+              </p:cNvPr>
+              <p:cNvSpPr>
+                <a:spLocks noRot="1" noChangeAspect="1" noMove="1" noResize="1" noEditPoints="1" noAdjustHandles="1" noChangeArrowheads="1" noChangeShapeType="1" noTextEdit="1"/>
+              </p:cNvSpPr>
+              <p:nvPr/>
+            </p:nvSpPr>
+            <p:spPr>
+              <a:xfrm>
+                <a:off x="8742852" y="3439326"/>
+                <a:ext cx="634853" cy="584775"/>
+              </a:xfrm>
+              <a:prstGeom prst="rect">
+                <a:avLst/>
+              </a:prstGeom>
+              <a:blipFill>
+                <a:blip r:embed="rId9"/>
+                <a:stretch>
+                  <a:fillRect/>
+                </a:stretch>
+              </a:blipFill>
+            </p:spPr>
+            <p:txBody>
+              <a:bodyPr/>
+              <a:lstStyle/>
+              <a:p>
+                <a:r>
+                  <a:rPr lang="ru-RU">
+                    <a:noFill/>
+                  </a:rPr>
+                  <a:t> </a:t>
+                </a:r>
+              </a:p>
+            </p:txBody>
+          </p:sp>
+        </mc:Fallback>
+      </mc:AlternateContent>
+      <p:sp>
+        <p:nvSpPr>
+          <p:cNvPr id="22" name="Овал 21">
+            <a:extLst>
+              <a:ext uri="{FF2B5EF4-FFF2-40B4-BE49-F238E27FC236}">
+                <a16:creationId xmlns:a16="http://schemas.microsoft.com/office/drawing/2014/main" id="{CF5E42DC-9C14-4DFC-760C-555DBABDFA48}"/>
+              </a:ext>
+            </a:extLst>
+          </p:cNvPr>
+          <p:cNvSpPr/>
+          <p:nvPr/>
+        </p:nvSpPr>
+        <p:spPr>
+          <a:xfrm>
+            <a:off x="10282028" y="3205813"/>
+            <a:ext cx="1150684" cy="1132114"/>
+          </a:xfrm>
+          <a:prstGeom prst="ellipse">
+            <a:avLst/>
+          </a:prstGeom>
+          <a:solidFill>
+            <a:schemeClr val="accent1">
+              <a:lumMod val="20000"/>
+              <a:lumOff val="80000"/>
+            </a:schemeClr>
+          </a:solidFill>
+        </p:spPr>
+        <p:style>
+          <a:lnRef idx="2">
+            <a:schemeClr val="accent1">
+              <a:shade val="15000"/>
+            </a:schemeClr>
+          </a:lnRef>
+          <a:fillRef idx="1">
+            <a:schemeClr val="accent1"/>
+          </a:fillRef>
+          <a:effectRef idx="0">
+            <a:schemeClr val="accent1"/>
+          </a:effectRef>
+          <a:fontRef idx="minor">
+            <a:schemeClr val="lt1"/>
+          </a:fontRef>
+        </p:style>
+        <p:txBody>
+          <a:bodyPr rtlCol="0" anchor="ctr"/>
+          <a:lstStyle>
+            <a:defPPr>
+              <a:defRPr lang="ru-RU"/>
+            </a:defPPr>
+            <a:lvl1pPr marL="0" algn="l" defTabSz="914400" rtl="0" eaLnBrk="1" latinLnBrk="0" hangingPunct="1">
+              <a:defRPr sz="1800" kern="1200">
+                <a:solidFill>
+                  <a:schemeClr val="lt1"/>
+                </a:solidFill>
+                <a:latin typeface="+mn-lt"/>
+                <a:ea typeface="+mn-ea"/>
+                <a:cs typeface="+mn-cs"/>
+              </a:defRPr>
+            </a:lvl1pPr>
+            <a:lvl2pPr marL="457200" algn="l" defTabSz="914400" rtl="0" eaLnBrk="1" latinLnBrk="0" hangingPunct="1">
+              <a:defRPr sz="1800" kern="1200">
+                <a:solidFill>
+                  <a:schemeClr val="lt1"/>
+                </a:solidFill>
+                <a:latin typeface="+mn-lt"/>
+                <a:ea typeface="+mn-ea"/>
+                <a:cs typeface="+mn-cs"/>
+              </a:defRPr>
+            </a:lvl2pPr>
+            <a:lvl3pPr marL="914400" algn="l" defTabSz="914400" rtl="0" eaLnBrk="1" latinLnBrk="0" hangingPunct="1">
+              <a:defRPr sz="1800" kern="1200">
+                <a:solidFill>
+                  <a:schemeClr val="lt1"/>
+                </a:solidFill>
+                <a:latin typeface="+mn-lt"/>
+                <a:ea typeface="+mn-ea"/>
+                <a:cs typeface="+mn-cs"/>
+              </a:defRPr>
+            </a:lvl3pPr>
+            <a:lvl4pPr marL="1371600" algn="l" defTabSz="914400" rtl="0" eaLnBrk="1" latinLnBrk="0" hangingPunct="1">
+              <a:defRPr sz="1800" kern="1200">
+                <a:solidFill>
+                  <a:schemeClr val="lt1"/>
+                </a:solidFill>
+                <a:latin typeface="+mn-lt"/>
+                <a:ea typeface="+mn-ea"/>
+                <a:cs typeface="+mn-cs"/>
+              </a:defRPr>
+            </a:lvl4pPr>
+            <a:lvl5pPr marL="1828800" algn="l" defTabSz="914400" rtl="0" eaLnBrk="1" latinLnBrk="0" hangingPunct="1">
+              <a:defRPr sz="1800" kern="1200">
+                <a:solidFill>
+                  <a:schemeClr val="lt1"/>
+                </a:solidFill>
+                <a:latin typeface="+mn-lt"/>
+                <a:ea typeface="+mn-ea"/>
+                <a:cs typeface="+mn-cs"/>
+              </a:defRPr>
+            </a:lvl5pPr>
+            <a:lvl6pPr marL="2286000" algn="l" defTabSz="914400" rtl="0" eaLnBrk="1" latinLnBrk="0" hangingPunct="1">
+              <a:defRPr sz="1800" kern="1200">
+                <a:solidFill>
+                  <a:schemeClr val="lt1"/>
+                </a:solidFill>
+                <a:latin typeface="+mn-lt"/>
+                <a:ea typeface="+mn-ea"/>
+                <a:cs typeface="+mn-cs"/>
+              </a:defRPr>
+            </a:lvl6pPr>
+            <a:lvl7pPr marL="2743200" algn="l" defTabSz="914400" rtl="0" eaLnBrk="1" latinLnBrk="0" hangingPunct="1">
+              <a:defRPr sz="1800" kern="1200">
+                <a:solidFill>
+                  <a:schemeClr val="lt1"/>
+                </a:solidFill>
+                <a:latin typeface="+mn-lt"/>
+                <a:ea typeface="+mn-ea"/>
+                <a:cs typeface="+mn-cs"/>
+              </a:defRPr>
+            </a:lvl7pPr>
+            <a:lvl8pPr marL="3200400" algn="l" defTabSz="914400" rtl="0" eaLnBrk="1" latinLnBrk="0" hangingPunct="1">
+              <a:defRPr sz="1800" kern="1200">
+                <a:solidFill>
+                  <a:schemeClr val="lt1"/>
+                </a:solidFill>
+                <a:latin typeface="+mn-lt"/>
+                <a:ea typeface="+mn-ea"/>
+                <a:cs typeface="+mn-cs"/>
+              </a:defRPr>
+            </a:lvl8pPr>
+            <a:lvl9pPr marL="3657600" algn="l" defTabSz="914400" rtl="0" eaLnBrk="1" latinLnBrk="0" hangingPunct="1">
+              <a:defRPr sz="1800" kern="1200">
+                <a:solidFill>
+                  <a:schemeClr val="lt1"/>
+                </a:solidFill>
+                <a:latin typeface="+mn-lt"/>
+                <a:ea typeface="+mn-ea"/>
+                <a:cs typeface="+mn-cs"/>
+              </a:defRPr>
+            </a:lvl9pPr>
+          </a:lstStyle>
+          <a:p>
+            <a:pPr algn="ctr"/>
+            <a:endParaRPr lang="ru-RU"/>
+          </a:p>
+        </p:txBody>
+      </p:sp>
+      <p:cxnSp>
+        <p:nvCxnSpPr>
+          <p:cNvPr id="23" name="Прямая со стрелкой 22">
+            <a:extLst>
+              <a:ext uri="{FF2B5EF4-FFF2-40B4-BE49-F238E27FC236}">
+                <a16:creationId xmlns:a16="http://schemas.microsoft.com/office/drawing/2014/main" id="{671FE6BC-3437-FB0C-AD3E-5E8F8EDC497B}"/>
+              </a:ext>
+            </a:extLst>
+          </p:cNvPr>
+          <p:cNvCxnSpPr>
+            <a:cxnSpLocks/>
+          </p:cNvCxnSpPr>
+          <p:nvPr/>
+        </p:nvCxnSpPr>
+        <p:spPr>
+          <a:xfrm flipV="1">
+            <a:off x="9541798" y="3760986"/>
+            <a:ext cx="722298" cy="2"/>
+          </a:xfrm>
+          <a:prstGeom prst="straightConnector1">
+            <a:avLst/>
+          </a:prstGeom>
+          <a:ln>
+            <a:tailEnd type="triangle"/>
+          </a:ln>
+        </p:spPr>
+        <p:style>
+          <a:lnRef idx="3">
+            <a:schemeClr val="accent1"/>
+          </a:lnRef>
+          <a:fillRef idx="0">
+            <a:schemeClr val="accent1"/>
+          </a:fillRef>
+          <a:effectRef idx="2">
+            <a:schemeClr val="accent1"/>
+          </a:effectRef>
+          <a:fontRef idx="minor">
+            <a:schemeClr val="tx1"/>
+          </a:fontRef>
+        </p:style>
+      </p:cxnSp>
+      <p:sp>
+        <p:nvSpPr>
+          <p:cNvPr id="24" name="TextBox 36">
+            <a:extLst>
+              <a:ext uri="{FF2B5EF4-FFF2-40B4-BE49-F238E27FC236}">
+                <a16:creationId xmlns:a16="http://schemas.microsoft.com/office/drawing/2014/main" id="{CDA832DF-E05E-C139-BEFD-1988D7857B64}"/>
+              </a:ext>
+            </a:extLst>
+          </p:cNvPr>
+          <p:cNvSpPr txBox="1"/>
+          <p:nvPr/>
+        </p:nvSpPr>
+        <p:spPr>
+          <a:xfrm>
+            <a:off x="10617196" y="3392737"/>
+            <a:ext cx="471929" cy="646331"/>
+          </a:xfrm>
+          <a:prstGeom prst="rect">
+            <a:avLst/>
+          </a:prstGeom>
+          <a:noFill/>
+        </p:spPr>
+        <p:txBody>
+          <a:bodyPr rot="0" spcFirstLastPara="0" vert="horz" wrap="square" lIns="91440" tIns="45720" rIns="91440" bIns="45720" numCol="1" spcCol="0" rtlCol="0" fromWordArt="0" anchor="t" anchorCtr="0" forceAA="0" compatLnSpc="1">
+            <a:prstTxWarp prst="textNoShape">
+              <a:avLst/>
+            </a:prstTxWarp>
+            <a:spAutoFit/>
+          </a:bodyPr>
+          <a:lstStyle>
+            <a:defPPr>
+              <a:defRPr lang="ru-RU"/>
+            </a:defPPr>
+            <a:lvl1pPr marL="0" algn="l" defTabSz="914400" rtl="0" eaLnBrk="1" latinLnBrk="0" hangingPunct="1">
+              <a:defRPr sz="1800" kern="1200">
+                <a:solidFill>
+                  <a:schemeClr val="tx1"/>
+                </a:solidFill>
+                <a:latin typeface="+mn-lt"/>
+                <a:ea typeface="+mn-ea"/>
+                <a:cs typeface="+mn-cs"/>
+              </a:defRPr>
+            </a:lvl1pPr>
+            <a:lvl2pPr marL="457200" algn="l" defTabSz="914400" rtl="0" eaLnBrk="1" latinLnBrk="0" hangingPunct="1">
+              <a:defRPr sz="1800" kern="1200">
+                <a:solidFill>
+                  <a:schemeClr val="tx1"/>
+                </a:solidFill>
+                <a:latin typeface="+mn-lt"/>
+                <a:ea typeface="+mn-ea"/>
+                <a:cs typeface="+mn-cs"/>
+              </a:defRPr>
+            </a:lvl2pPr>
+            <a:lvl3pPr marL="914400" algn="l" defTabSz="914400" rtl="0" eaLnBrk="1" latinLnBrk="0" hangingPunct="1">
+              <a:defRPr sz="1800" kern="1200">
+                <a:solidFill>
+                  <a:schemeClr val="tx1"/>
+                </a:solidFill>
+                <a:latin typeface="+mn-lt"/>
+                <a:ea typeface="+mn-ea"/>
+                <a:cs typeface="+mn-cs"/>
+              </a:defRPr>
+            </a:lvl3pPr>
+            <a:lvl4pPr marL="1371600" algn="l" defTabSz="914400" rtl="0" eaLnBrk="1" latinLnBrk="0" hangingPunct="1">
+              <a:defRPr sz="1800" kern="1200">
+                <a:solidFill>
+                  <a:schemeClr val="tx1"/>
+                </a:solidFill>
+                <a:latin typeface="+mn-lt"/>
+                <a:ea typeface="+mn-ea"/>
+                <a:cs typeface="+mn-cs"/>
+              </a:defRPr>
+            </a:lvl4pPr>
+            <a:lvl5pPr marL="1828800" algn="l" defTabSz="914400" rtl="0" eaLnBrk="1" latinLnBrk="0" hangingPunct="1">
+              <a:defRPr sz="1800" kern="1200">
+                <a:solidFill>
+                  <a:schemeClr val="tx1"/>
+                </a:solidFill>
+                <a:latin typeface="+mn-lt"/>
+                <a:ea typeface="+mn-ea"/>
+                <a:cs typeface="+mn-cs"/>
+              </a:defRPr>
+            </a:lvl5pPr>
+            <a:lvl6pPr marL="2286000" algn="l" defTabSz="914400" rtl="0" eaLnBrk="1" latinLnBrk="0" hangingPunct="1">
+              <a:defRPr sz="1800" kern="1200">
+                <a:solidFill>
+                  <a:schemeClr val="tx1"/>
+                </a:solidFill>
+                <a:latin typeface="+mn-lt"/>
+                <a:ea typeface="+mn-ea"/>
+                <a:cs typeface="+mn-cs"/>
+              </a:defRPr>
+            </a:lvl6pPr>
+            <a:lvl7pPr marL="2743200" algn="l" defTabSz="914400" rtl="0" eaLnBrk="1" latinLnBrk="0" hangingPunct="1">
+              <a:defRPr sz="1800" kern="1200">
+                <a:solidFill>
+                  <a:schemeClr val="tx1"/>
+                </a:solidFill>
+                <a:latin typeface="+mn-lt"/>
+                <a:ea typeface="+mn-ea"/>
+                <a:cs typeface="+mn-cs"/>
+              </a:defRPr>
+            </a:lvl7pPr>
+            <a:lvl8pPr marL="3200400" algn="l" defTabSz="914400" rtl="0" eaLnBrk="1" latinLnBrk="0" hangingPunct="1">
+              <a:defRPr sz="1800" kern="1200">
+                <a:solidFill>
+                  <a:schemeClr val="tx1"/>
+                </a:solidFill>
+                <a:latin typeface="+mn-lt"/>
+                <a:ea typeface="+mn-ea"/>
+                <a:cs typeface="+mn-cs"/>
+              </a:defRPr>
+            </a:lvl8pPr>
+            <a:lvl9pPr marL="3657600" algn="l" defTabSz="914400" rtl="0" eaLnBrk="1" latinLnBrk="0" hangingPunct="1">
+              <a:defRPr sz="1800" kern="1200">
+                <a:solidFill>
+                  <a:schemeClr val="tx1"/>
+                </a:solidFill>
+                <a:latin typeface="+mn-lt"/>
+                <a:ea typeface="+mn-ea"/>
+                <a:cs typeface="+mn-cs"/>
+              </a:defRPr>
+            </a:lvl9pPr>
+          </a:lstStyle>
+          <a:p>
+            <a:pPr algn="l"/>
+            <a:r>
+              <a:rPr lang="en-US" sz="3600" dirty="0">
+                <a:latin typeface="Times New Roman"/>
+                <a:cs typeface="Times New Roman"/>
+              </a:rPr>
+              <a:t>R</a:t>
+            </a:r>
+            <a:endParaRPr lang="ru-RU" sz="3600" dirty="0">
+              <a:latin typeface="Times New Roman"/>
+              <a:cs typeface="Times New Roman"/>
+            </a:endParaRPr>
+          </a:p>
+        </p:txBody>
+      </p:sp>
+      <mc:AlternateContent xmlns:mc="http://schemas.openxmlformats.org/markup-compatibility/2006">
+        <mc:Choice xmlns:a14="http://schemas.microsoft.com/office/drawing/2010/main" Requires="a14">
+          <p:sp>
+            <p:nvSpPr>
+              <p:cNvPr id="25" name="TextBox 37">
+                <a:extLst>
+                  <a:ext uri="{FF2B5EF4-FFF2-40B4-BE49-F238E27FC236}">
+                    <a16:creationId xmlns:a16="http://schemas.microsoft.com/office/drawing/2014/main" id="{EABC2B63-F266-C819-F726-15DD02CA72AC}"/>
+                  </a:ext>
+                </a:extLst>
+              </p:cNvPr>
+              <p:cNvSpPr txBox="1"/>
+              <p:nvPr/>
+            </p:nvSpPr>
+            <p:spPr>
+              <a:xfrm>
+                <a:off x="9741409" y="3295730"/>
+                <a:ext cx="340659" cy="369332"/>
+              </a:xfrm>
+              <a:prstGeom prst="rect">
+                <a:avLst/>
+              </a:prstGeom>
+              <a:noFill/>
+            </p:spPr>
+            <p:txBody>
+              <a:bodyPr rot="0" spcFirstLastPara="0" vert="horz" wrap="square" lIns="91440" tIns="45720" rIns="91440" bIns="45720" numCol="1" spcCol="0" rtlCol="0" fromWordArt="0" anchor="t" anchorCtr="0" forceAA="0" compatLnSpc="1">
+                <a:prstTxWarp prst="textNoShape">
+                  <a:avLst/>
+                </a:prstTxWarp>
+                <a:spAutoFit/>
+              </a:bodyPr>
+              <a:lstStyle>
+                <a:defPPr>
+                  <a:defRPr lang="ru-RU"/>
+                </a:defPPr>
+                <a:lvl1pPr marL="0" algn="l" defTabSz="914400" rtl="0" eaLnBrk="1" latinLnBrk="0" hangingPunct="1">
+                  <a:defRPr sz="1800" kern="1200">
+                    <a:solidFill>
+                      <a:schemeClr val="tx1"/>
+                    </a:solidFill>
+                    <a:latin typeface="+mn-lt"/>
+                    <a:ea typeface="+mn-ea"/>
+                    <a:cs typeface="+mn-cs"/>
+                  </a:defRPr>
+                </a:lvl1pPr>
+                <a:lvl2pPr marL="457200" algn="l" defTabSz="914400" rtl="0" eaLnBrk="1" latinLnBrk="0" hangingPunct="1">
+                  <a:defRPr sz="1800" kern="1200">
+                    <a:solidFill>
+                      <a:schemeClr val="tx1"/>
+                    </a:solidFill>
+                    <a:latin typeface="+mn-lt"/>
+                    <a:ea typeface="+mn-ea"/>
+                    <a:cs typeface="+mn-cs"/>
+                  </a:defRPr>
+                </a:lvl2pPr>
+                <a:lvl3pPr marL="914400" algn="l" defTabSz="914400" rtl="0" eaLnBrk="1" latinLnBrk="0" hangingPunct="1">
+                  <a:defRPr sz="1800" kern="1200">
+                    <a:solidFill>
+                      <a:schemeClr val="tx1"/>
+                    </a:solidFill>
+                    <a:latin typeface="+mn-lt"/>
+                    <a:ea typeface="+mn-ea"/>
+                    <a:cs typeface="+mn-cs"/>
+                  </a:defRPr>
+                </a:lvl3pPr>
+                <a:lvl4pPr marL="1371600" algn="l" defTabSz="914400" rtl="0" eaLnBrk="1" latinLnBrk="0" hangingPunct="1">
+                  <a:defRPr sz="1800" kern="1200">
+                    <a:solidFill>
+                      <a:schemeClr val="tx1"/>
+                    </a:solidFill>
+                    <a:latin typeface="+mn-lt"/>
+                    <a:ea typeface="+mn-ea"/>
+                    <a:cs typeface="+mn-cs"/>
+                  </a:defRPr>
+                </a:lvl4pPr>
+                <a:lvl5pPr marL="1828800" algn="l" defTabSz="914400" rtl="0" eaLnBrk="1" latinLnBrk="0" hangingPunct="1">
+                  <a:defRPr sz="1800" kern="1200">
+                    <a:solidFill>
+                      <a:schemeClr val="tx1"/>
+                    </a:solidFill>
+                    <a:latin typeface="+mn-lt"/>
+                    <a:ea typeface="+mn-ea"/>
+                    <a:cs typeface="+mn-cs"/>
+                  </a:defRPr>
+                </a:lvl5pPr>
+                <a:lvl6pPr marL="2286000" algn="l" defTabSz="914400" rtl="0" eaLnBrk="1" latinLnBrk="0" hangingPunct="1">
+                  <a:defRPr sz="1800" kern="1200">
+                    <a:solidFill>
+                      <a:schemeClr val="tx1"/>
+                    </a:solidFill>
+                    <a:latin typeface="+mn-lt"/>
+                    <a:ea typeface="+mn-ea"/>
+                    <a:cs typeface="+mn-cs"/>
+                  </a:defRPr>
+                </a:lvl6pPr>
+                <a:lvl7pPr marL="2743200" algn="l" defTabSz="914400" rtl="0" eaLnBrk="1" latinLnBrk="0" hangingPunct="1">
+                  <a:defRPr sz="1800" kern="1200">
+                    <a:solidFill>
+                      <a:schemeClr val="tx1"/>
+                    </a:solidFill>
+                    <a:latin typeface="+mn-lt"/>
+                    <a:ea typeface="+mn-ea"/>
+                    <a:cs typeface="+mn-cs"/>
+                  </a:defRPr>
+                </a:lvl7pPr>
+                <a:lvl8pPr marL="3200400" algn="l" defTabSz="914400" rtl="0" eaLnBrk="1" latinLnBrk="0" hangingPunct="1">
+                  <a:defRPr sz="1800" kern="1200">
+                    <a:solidFill>
+                      <a:schemeClr val="tx1"/>
+                    </a:solidFill>
+                    <a:latin typeface="+mn-lt"/>
+                    <a:ea typeface="+mn-ea"/>
+                    <a:cs typeface="+mn-cs"/>
+                  </a:defRPr>
+                </a:lvl8pPr>
+                <a:lvl9pPr marL="3657600" algn="l" defTabSz="914400" rtl="0" eaLnBrk="1" latinLnBrk="0" hangingPunct="1">
+                  <a:defRPr sz="1800" kern="1200">
+                    <a:solidFill>
+                      <a:schemeClr val="tx1"/>
+                    </a:solidFill>
+                    <a:latin typeface="+mn-lt"/>
+                    <a:ea typeface="+mn-ea"/>
+                    <a:cs typeface="+mn-cs"/>
+                  </a:defRPr>
+                </a:lvl9pPr>
+              </a:lstStyle>
+              <a:p>
+                <a:pPr/>
+                <a14:m>
+                  <m:oMathPara xmlns:m="http://schemas.openxmlformats.org/officeDocument/2006/math">
+                    <m:oMathParaPr>
+                      <m:jc m:val="centerGroup"/>
+                    </m:oMathParaPr>
+                    <m:oMath xmlns:m="http://schemas.openxmlformats.org/officeDocument/2006/math">
+                      <m:sSub>
+                        <m:sSubPr>
+                          <m:ctrlPr>
+                            <a:rPr lang="en-US" i="1" smtClean="0">
+                              <a:latin typeface="Cambria Math" panose="02040503050406030204" pitchFamily="18" charset="0"/>
+                              <a:cs typeface="Times New Roman"/>
+                            </a:rPr>
+                          </m:ctrlPr>
+                        </m:sSubPr>
+                        <m:e>
+                          <m:r>
+                            <a:rPr lang="en-US" i="1">
+                              <a:latin typeface="Cambria Math" panose="02040503050406030204" pitchFamily="18" charset="0"/>
+                              <a:cs typeface="Times New Roman"/>
+                            </a:rPr>
+                            <m:t>𝑘</m:t>
+                          </m:r>
+                        </m:e>
+                        <m:sub>
+                          <m:r>
+                            <a:rPr lang="en-US" b="0" i="1" smtClean="0">
+                              <a:latin typeface="Cambria Math" panose="02040503050406030204" pitchFamily="18" charset="0"/>
+                              <a:cs typeface="Times New Roman"/>
+                            </a:rPr>
+                            <m:t>𝑛</m:t>
+                          </m:r>
+                        </m:sub>
+                      </m:sSub>
+                    </m:oMath>
+                  </m:oMathPara>
+                </a14:m>
+                <a:endParaRPr lang="ru-RU" dirty="0"/>
+              </a:p>
+            </p:txBody>
+          </p:sp>
+        </mc:Choice>
+        <mc:Fallback>
+          <p:sp>
+            <p:nvSpPr>
+              <p:cNvPr id="25" name="TextBox 37">
+                <a:extLst>
+                  <a:ext uri="{FF2B5EF4-FFF2-40B4-BE49-F238E27FC236}">
+                    <a16:creationId xmlns:a16="http://schemas.microsoft.com/office/drawing/2014/main" id="{EABC2B63-F266-C819-F726-15DD02CA72AC}"/>
+                  </a:ext>
+                </a:extLst>
+              </p:cNvPr>
+              <p:cNvSpPr txBox="1">
+                <a:spLocks noRot="1" noChangeAspect="1" noMove="1" noResize="1" noEditPoints="1" noAdjustHandles="1" noChangeArrowheads="1" noChangeShapeType="1" noTextEdit="1"/>
+              </p:cNvSpPr>
+              <p:nvPr/>
+            </p:nvSpPr>
+            <p:spPr>
+              <a:xfrm>
+                <a:off x="9741409" y="3295730"/>
+                <a:ext cx="340659" cy="369332"/>
+              </a:xfrm>
+              <a:prstGeom prst="rect">
+                <a:avLst/>
+              </a:prstGeom>
+              <a:blipFill>
+                <a:blip r:embed="rId10"/>
+                <a:stretch>
+                  <a:fillRect r="-8929"/>
+                </a:stretch>
+              </a:blipFill>
+            </p:spPr>
+            <p:txBody>
+              <a:bodyPr/>
+              <a:lstStyle/>
+              <a:p>
+                <a:r>
+                  <a:rPr lang="ru-RU">
+                    <a:noFill/>
+                  </a:rPr>
+                  <a:t> </a:t>
+                </a:r>
+              </a:p>
+            </p:txBody>
+          </p:sp>
+        </mc:Fallback>
+      </mc:AlternateContent>
+      <p:cxnSp>
+        <p:nvCxnSpPr>
+          <p:cNvPr id="26" name="Прямая соединительная линия 25">
+            <a:extLst>
+              <a:ext uri="{FF2B5EF4-FFF2-40B4-BE49-F238E27FC236}">
+                <a16:creationId xmlns:a16="http://schemas.microsoft.com/office/drawing/2014/main" id="{2928F403-4A33-8127-ABDB-BBD0A9F1E25A}"/>
+              </a:ext>
+            </a:extLst>
+          </p:cNvPr>
+          <p:cNvCxnSpPr>
+            <a:cxnSpLocks/>
+          </p:cNvCxnSpPr>
+          <p:nvPr/>
+        </p:nvCxnSpPr>
+        <p:spPr>
+          <a:xfrm flipH="1" flipV="1">
+            <a:off x="6166034" y="2601617"/>
+            <a:ext cx="4451162" cy="664453"/>
+          </a:xfrm>
+          <a:prstGeom prst="line">
+            <a:avLst/>
+          </a:prstGeom>
+        </p:spPr>
+        <p:style>
+          <a:lnRef idx="3">
+            <a:schemeClr val="accent1"/>
+          </a:lnRef>
+          <a:fillRef idx="0">
+            <a:schemeClr val="accent1"/>
+          </a:fillRef>
+          <a:effectRef idx="2">
+            <a:schemeClr val="accent1"/>
+          </a:effectRef>
+          <a:fontRef idx="minor">
+            <a:schemeClr val="tx1"/>
+          </a:fontRef>
+        </p:style>
+      </p:cxnSp>
+      <p:cxnSp>
+        <p:nvCxnSpPr>
+          <p:cNvPr id="27" name="Прямая со стрелкой 26">
+            <a:extLst>
+              <a:ext uri="{FF2B5EF4-FFF2-40B4-BE49-F238E27FC236}">
+                <a16:creationId xmlns:a16="http://schemas.microsoft.com/office/drawing/2014/main" id="{097B9856-6B0B-DC7C-D62A-B5EBB33734E5}"/>
+              </a:ext>
+            </a:extLst>
+          </p:cNvPr>
+          <p:cNvCxnSpPr>
+            <a:cxnSpLocks/>
+          </p:cNvCxnSpPr>
+          <p:nvPr/>
+        </p:nvCxnSpPr>
+        <p:spPr>
+          <a:xfrm flipH="1">
+            <a:off x="1644872" y="2592617"/>
+            <a:ext cx="4521162" cy="712779"/>
+          </a:xfrm>
+          <a:prstGeom prst="straightConnector1">
+            <a:avLst/>
+          </a:prstGeom>
+          <a:ln>
+            <a:tailEnd type="triangle"/>
+          </a:ln>
+        </p:spPr>
+        <p:style>
+          <a:lnRef idx="3">
+            <a:schemeClr val="accent1"/>
+          </a:lnRef>
+          <a:fillRef idx="0">
+            <a:schemeClr val="accent1"/>
+          </a:fillRef>
+          <a:effectRef idx="2">
+            <a:schemeClr val="accent1"/>
+          </a:effectRef>
+          <a:fontRef idx="minor">
+            <a:schemeClr val="tx1"/>
+          </a:fontRef>
+        </p:style>
+      </p:cxnSp>
+      <p:sp>
+        <p:nvSpPr>
+          <p:cNvPr id="28" name="Прямоугольник 27">
+            <a:extLst>
+              <a:ext uri="{FF2B5EF4-FFF2-40B4-BE49-F238E27FC236}">
+                <a16:creationId xmlns:a16="http://schemas.microsoft.com/office/drawing/2014/main" id="{E4F228D7-C8F1-79AC-2221-DED532E3A2E0}"/>
+              </a:ext>
+            </a:extLst>
+          </p:cNvPr>
+          <p:cNvSpPr/>
+          <p:nvPr/>
+        </p:nvSpPr>
+        <p:spPr>
+          <a:xfrm>
+            <a:off x="8247986" y="2492262"/>
+            <a:ext cx="287258" cy="369332"/>
+          </a:xfrm>
+          <a:prstGeom prst="rect">
+            <a:avLst/>
+          </a:prstGeom>
+        </p:spPr>
+        <p:txBody>
+          <a:bodyPr wrap="square">
+            <a:spAutoFit/>
+          </a:bodyPr>
+          <a:lstStyle>
+            <a:defPPr>
+              <a:defRPr lang="ru-RU"/>
+            </a:defPPr>
+            <a:lvl1pPr marL="0" algn="l" defTabSz="914400" rtl="0" eaLnBrk="1" latinLnBrk="0" hangingPunct="1">
+              <a:defRPr sz="1800" kern="1200">
+                <a:solidFill>
+                  <a:schemeClr val="tx1"/>
+                </a:solidFill>
+                <a:latin typeface="+mn-lt"/>
+                <a:ea typeface="+mn-ea"/>
+                <a:cs typeface="+mn-cs"/>
+              </a:defRPr>
+            </a:lvl1pPr>
+            <a:lvl2pPr marL="457200" algn="l" defTabSz="914400" rtl="0" eaLnBrk="1" latinLnBrk="0" hangingPunct="1">
+              <a:defRPr sz="1800" kern="1200">
+                <a:solidFill>
+                  <a:schemeClr val="tx1"/>
+                </a:solidFill>
+                <a:latin typeface="+mn-lt"/>
+                <a:ea typeface="+mn-ea"/>
+                <a:cs typeface="+mn-cs"/>
+              </a:defRPr>
+            </a:lvl2pPr>
+            <a:lvl3pPr marL="914400" algn="l" defTabSz="914400" rtl="0" eaLnBrk="1" latinLnBrk="0" hangingPunct="1">
+              <a:defRPr sz="1800" kern="1200">
+                <a:solidFill>
+                  <a:schemeClr val="tx1"/>
+                </a:solidFill>
+                <a:latin typeface="+mn-lt"/>
+                <a:ea typeface="+mn-ea"/>
+                <a:cs typeface="+mn-cs"/>
+              </a:defRPr>
+            </a:lvl3pPr>
+            <a:lvl4pPr marL="1371600" algn="l" defTabSz="914400" rtl="0" eaLnBrk="1" latinLnBrk="0" hangingPunct="1">
+              <a:defRPr sz="1800" kern="1200">
+                <a:solidFill>
+                  <a:schemeClr val="tx1"/>
+                </a:solidFill>
+                <a:latin typeface="+mn-lt"/>
+                <a:ea typeface="+mn-ea"/>
+                <a:cs typeface="+mn-cs"/>
+              </a:defRPr>
+            </a:lvl4pPr>
+            <a:lvl5pPr marL="1828800" algn="l" defTabSz="914400" rtl="0" eaLnBrk="1" latinLnBrk="0" hangingPunct="1">
+              <a:defRPr sz="1800" kern="1200">
+                <a:solidFill>
+                  <a:schemeClr val="tx1"/>
+                </a:solidFill>
+                <a:latin typeface="+mn-lt"/>
+                <a:ea typeface="+mn-ea"/>
+                <a:cs typeface="+mn-cs"/>
+              </a:defRPr>
+            </a:lvl5pPr>
+            <a:lvl6pPr marL="2286000" algn="l" defTabSz="914400" rtl="0" eaLnBrk="1" latinLnBrk="0" hangingPunct="1">
+              <a:defRPr sz="1800" kern="1200">
+                <a:solidFill>
+                  <a:schemeClr val="tx1"/>
+                </a:solidFill>
+                <a:latin typeface="+mn-lt"/>
+                <a:ea typeface="+mn-ea"/>
+                <a:cs typeface="+mn-cs"/>
+              </a:defRPr>
+            </a:lvl6pPr>
+            <a:lvl7pPr marL="2743200" algn="l" defTabSz="914400" rtl="0" eaLnBrk="1" latinLnBrk="0" hangingPunct="1">
+              <a:defRPr sz="1800" kern="1200">
+                <a:solidFill>
+                  <a:schemeClr val="tx1"/>
+                </a:solidFill>
+                <a:latin typeface="+mn-lt"/>
+                <a:ea typeface="+mn-ea"/>
+                <a:cs typeface="+mn-cs"/>
+              </a:defRPr>
+            </a:lvl7pPr>
+            <a:lvl8pPr marL="3200400" algn="l" defTabSz="914400" rtl="0" eaLnBrk="1" latinLnBrk="0" hangingPunct="1">
+              <a:defRPr sz="1800" kern="1200">
+                <a:solidFill>
+                  <a:schemeClr val="tx1"/>
+                </a:solidFill>
+                <a:latin typeface="+mn-lt"/>
+                <a:ea typeface="+mn-ea"/>
+                <a:cs typeface="+mn-cs"/>
+              </a:defRPr>
+            </a:lvl8pPr>
+            <a:lvl9pPr marL="3657600" algn="l" defTabSz="914400" rtl="0" eaLnBrk="1" latinLnBrk="0" hangingPunct="1">
+              <a:defRPr sz="1800" kern="1200">
+                <a:solidFill>
+                  <a:schemeClr val="tx1"/>
+                </a:solidFill>
+                <a:latin typeface="+mn-lt"/>
+                <a:ea typeface="+mn-ea"/>
+                <a:cs typeface="+mn-cs"/>
+              </a:defRPr>
+            </a:lvl9pPr>
+          </a:lstStyle>
+          <a:p>
+            <a:r>
+              <a:rPr lang="ru-RU" dirty="0">
+                <a:latin typeface="Times New Roman"/>
+                <a:ea typeface="+mn-lt"/>
+                <a:cs typeface="+mn-lt"/>
+              </a:rPr>
+              <a:t>γ</a:t>
+            </a:r>
+            <a:endParaRPr lang="ru-RU" dirty="0"/>
+          </a:p>
+        </p:txBody>
+      </p:sp>
     </p:spTree>
     <p:extLst>
       <p:ext uri="{BB962C8B-B14F-4D97-AF65-F5344CB8AC3E}">
